--- a/Report-CTDL-1312.pptx
+++ b/Report-CTDL-1312.pptx
@@ -12,12 +12,13 @@
     <p:sldId id="260" r:id="rId6"/>
     <p:sldId id="261" r:id="rId7"/>
     <p:sldId id="262" r:id="rId8"/>
-    <p:sldId id="276" r:id="rId9"/>
-    <p:sldId id="268" r:id="rId10"/>
-    <p:sldId id="272" r:id="rId11"/>
-    <p:sldId id="273" r:id="rId12"/>
-    <p:sldId id="274" r:id="rId13"/>
-    <p:sldId id="269" r:id="rId14"/>
+    <p:sldId id="277" r:id="rId9"/>
+    <p:sldId id="276" r:id="rId10"/>
+    <p:sldId id="268" r:id="rId11"/>
+    <p:sldId id="272" r:id="rId12"/>
+    <p:sldId id="273" r:id="rId13"/>
+    <p:sldId id="274" r:id="rId14"/>
+    <p:sldId id="269" r:id="rId15"/>
   </p:sldIdLst>
   <p:sldSz cx="12192000" cy="6858000"/>
   <p:notesSz cx="6858000" cy="9144000"/>
@@ -455,7 +456,7 @@
           <a:p>
             <a:fld id="{38B42FB4-306F-4FD6-BCA1-D1A1E5107D5F}" type="datetimeFigureOut">
               <a:rPr lang="en-US" smtClean="0"/>
-              <a:t>12/13/2019</a:t>
+              <a:t>12/14/2019</a:t>
             </a:fld>
             <a:endParaRPr lang="en-US"/>
           </a:p>
@@ -779,7 +780,7 @@
           <a:p>
             <a:fld id="{38B42FB4-306F-4FD6-BCA1-D1A1E5107D5F}" type="datetimeFigureOut">
               <a:rPr lang="en-US" smtClean="0"/>
-              <a:t>12/13/2019</a:t>
+              <a:t>12/14/2019</a:t>
             </a:fld>
             <a:endParaRPr lang="en-US"/>
           </a:p>
@@ -1027,7 +1028,7 @@
           <a:p>
             <a:fld id="{38B42FB4-306F-4FD6-BCA1-D1A1E5107D5F}" type="datetimeFigureOut">
               <a:rPr lang="en-US" smtClean="0"/>
-              <a:t>12/13/2019</a:t>
+              <a:t>12/14/2019</a:t>
             </a:fld>
             <a:endParaRPr lang="en-US"/>
           </a:p>
@@ -1366,7 +1367,7 @@
           <a:p>
             <a:fld id="{38B42FB4-306F-4FD6-BCA1-D1A1E5107D5F}" type="datetimeFigureOut">
               <a:rPr lang="en-US" smtClean="0"/>
-              <a:t>12/13/2019</a:t>
+              <a:t>12/14/2019</a:t>
             </a:fld>
             <a:endParaRPr lang="en-US"/>
           </a:p>
@@ -1713,7 +1714,7 @@
           <a:p>
             <a:fld id="{38B42FB4-306F-4FD6-BCA1-D1A1E5107D5F}" type="datetimeFigureOut">
               <a:rPr lang="en-US" smtClean="0"/>
-              <a:t>12/13/2019</a:t>
+              <a:t>12/14/2019</a:t>
             </a:fld>
             <a:endParaRPr lang="en-US"/>
           </a:p>
@@ -2087,7 +2088,7 @@
           <a:p>
             <a:fld id="{38B42FB4-306F-4FD6-BCA1-D1A1E5107D5F}" type="datetimeFigureOut">
               <a:rPr lang="en-US" smtClean="0"/>
-              <a:t>12/13/2019</a:t>
+              <a:t>12/14/2019</a:t>
             </a:fld>
             <a:endParaRPr lang="en-US"/>
           </a:p>
@@ -2557,7 +2558,7 @@
           <a:p>
             <a:fld id="{38B42FB4-306F-4FD6-BCA1-D1A1E5107D5F}" type="datetimeFigureOut">
               <a:rPr lang="en-US" smtClean="0"/>
-              <a:t>12/13/2019</a:t>
+              <a:t>12/14/2019</a:t>
             </a:fld>
             <a:endParaRPr lang="en-US"/>
           </a:p>
@@ -2762,7 +2763,7 @@
           <a:p>
             <a:fld id="{38B42FB4-306F-4FD6-BCA1-D1A1E5107D5F}" type="datetimeFigureOut">
               <a:rPr lang="en-US" smtClean="0"/>
-              <a:t>12/13/2019</a:t>
+              <a:t>12/14/2019</a:t>
             </a:fld>
             <a:endParaRPr lang="en-US"/>
           </a:p>
@@ -2973,7 +2974,7 @@
           <a:p>
             <a:fld id="{38B42FB4-306F-4FD6-BCA1-D1A1E5107D5F}" type="datetimeFigureOut">
               <a:rPr lang="en-US" smtClean="0"/>
-              <a:t>12/13/2019</a:t>
+              <a:t>12/14/2019</a:t>
             </a:fld>
             <a:endParaRPr lang="en-US"/>
           </a:p>
@@ -3205,7 +3206,7 @@
           <a:p>
             <a:fld id="{38B42FB4-306F-4FD6-BCA1-D1A1E5107D5F}" type="datetimeFigureOut">
               <a:rPr lang="en-US" smtClean="0"/>
-              <a:t>12/13/2019</a:t>
+              <a:t>12/14/2019</a:t>
             </a:fld>
             <a:endParaRPr lang="en-US"/>
           </a:p>
@@ -3453,7 +3454,7 @@
           <a:p>
             <a:fld id="{38B42FB4-306F-4FD6-BCA1-D1A1E5107D5F}" type="datetimeFigureOut">
               <a:rPr lang="en-US" smtClean="0"/>
-              <a:t>12/13/2019</a:t>
+              <a:t>12/14/2019</a:t>
             </a:fld>
             <a:endParaRPr lang="en-US"/>
           </a:p>
@@ -3751,7 +3752,7 @@
           <a:p>
             <a:fld id="{38B42FB4-306F-4FD6-BCA1-D1A1E5107D5F}" type="datetimeFigureOut">
               <a:rPr lang="en-US" smtClean="0"/>
-              <a:t>12/13/2019</a:t>
+              <a:t>12/14/2019</a:t>
             </a:fld>
             <a:endParaRPr lang="en-US"/>
           </a:p>
@@ -4145,7 +4146,7 @@
           <a:p>
             <a:fld id="{38B42FB4-306F-4FD6-BCA1-D1A1E5107D5F}" type="datetimeFigureOut">
               <a:rPr lang="en-US" smtClean="0"/>
-              <a:t>12/13/2019</a:t>
+              <a:t>12/14/2019</a:t>
             </a:fld>
             <a:endParaRPr lang="en-US"/>
           </a:p>
@@ -4294,7 +4295,7 @@
           <a:p>
             <a:fld id="{38B42FB4-306F-4FD6-BCA1-D1A1E5107D5F}" type="datetimeFigureOut">
               <a:rPr lang="en-US" smtClean="0"/>
-              <a:t>12/13/2019</a:t>
+              <a:t>12/14/2019</a:t>
             </a:fld>
             <a:endParaRPr lang="en-US"/>
           </a:p>
@@ -4420,7 +4421,7 @@
           <a:p>
             <a:fld id="{38B42FB4-306F-4FD6-BCA1-D1A1E5107D5F}" type="datetimeFigureOut">
               <a:rPr lang="en-US" smtClean="0"/>
-              <a:t>12/13/2019</a:t>
+              <a:t>12/14/2019</a:t>
             </a:fld>
             <a:endParaRPr lang="en-US"/>
           </a:p>
@@ -4675,7 +4676,7 @@
           <a:p>
             <a:fld id="{38B42FB4-306F-4FD6-BCA1-D1A1E5107D5F}" type="datetimeFigureOut">
               <a:rPr lang="en-US" smtClean="0"/>
-              <a:t>12/13/2019</a:t>
+              <a:t>12/14/2019</a:t>
             </a:fld>
             <a:endParaRPr lang="en-US"/>
           </a:p>
@@ -4990,7 +4991,7 @@
           <a:p>
             <a:fld id="{38B42FB4-306F-4FD6-BCA1-D1A1E5107D5F}" type="datetimeFigureOut">
               <a:rPr lang="en-US" smtClean="0"/>
-              <a:t>12/13/2019</a:t>
+              <a:t>12/14/2019</a:t>
             </a:fld>
             <a:endParaRPr lang="en-US"/>
           </a:p>
@@ -5341,7 +5342,7 @@
           <a:p>
             <a:fld id="{38B42FB4-306F-4FD6-BCA1-D1A1E5107D5F}" type="datetimeFigureOut">
               <a:rPr lang="en-US" smtClean="0"/>
-              <a:t>12/13/2019</a:t>
+              <a:t>12/14/2019</a:t>
             </a:fld>
             <a:endParaRPr lang="en-US"/>
           </a:p>
@@ -5889,7 +5890,7 @@
           <p:cNvPr id="2" name="Title 1">
             <a:extLst>
               <a:ext uri="{FF2B5EF4-FFF2-40B4-BE49-F238E27FC236}">
-                <a16:creationId xmlns:a16="http://schemas.microsoft.com/office/drawing/2014/main" xmlns="" id="{A06907DC-E2AB-48A3-BB34-6279E93883D1}"/>
+                <a16:creationId xmlns="" xmlns:a16="http://schemas.microsoft.com/office/drawing/2014/main" id="{A06907DC-E2AB-48A3-BB34-6279E93883D1}"/>
               </a:ext>
             </a:extLst>
           </p:cNvPr>
@@ -5994,7 +5995,7 @@
           <p:cNvPr id="3" name="Subtitle 2">
             <a:extLst>
               <a:ext uri="{FF2B5EF4-FFF2-40B4-BE49-F238E27FC236}">
-                <a16:creationId xmlns:a16="http://schemas.microsoft.com/office/drawing/2014/main" xmlns="" id="{F85E01AD-1A00-4C9D-AB67-DE62DF677994}"/>
+                <a16:creationId xmlns="" xmlns:a16="http://schemas.microsoft.com/office/drawing/2014/main" id="{F85E01AD-1A00-4C9D-AB67-DE62DF677994}"/>
               </a:ext>
             </a:extLst>
           </p:cNvPr>
@@ -6217,7 +6218,7 @@
           <p:cNvPr id="2" name="Title 1">
             <a:extLst>
               <a:ext uri="{FF2B5EF4-FFF2-40B4-BE49-F238E27FC236}">
-                <a16:creationId xmlns:a16="http://schemas.microsoft.com/office/drawing/2014/main" xmlns="" id="{B6601BDE-8D58-4B27-9322-2CE52DF5A871}"/>
+                <a16:creationId xmlns="" xmlns:a16="http://schemas.microsoft.com/office/drawing/2014/main" id="{F0D9EC53-2072-4765-A6C0-95CBCF24C2B7}"/>
               </a:ext>
             </a:extLst>
           </p:cNvPr>
@@ -6230,271 +6231,23 @@
         </p:nvSpPr>
         <p:spPr/>
         <p:txBody>
-          <a:bodyPr>
-            <a:normAutofit/>
-          </a:bodyPr>
-          <a:lstStyle/>
-          <a:p>
-            <a:r>
-              <a:rPr lang="en-US" sz="4000" b="1" dirty="0">
-                <a:latin typeface="Times New Roman" panose="02020603050405020304" pitchFamily="18" charset="0"/>
-                <a:cs typeface="Times New Roman" panose="02020603050405020304" pitchFamily="18" charset="0"/>
-              </a:rPr>
-              <a:t>KẾT LUẬN</a:t>
-            </a:r>
-          </a:p>
-        </p:txBody>
-      </p:sp>
-      <p:sp>
-        <p:nvSpPr>
-          <p:cNvPr id="3" name="Content Placeholder 2">
-            <a:extLst>
-              <a:ext uri="{FF2B5EF4-FFF2-40B4-BE49-F238E27FC236}">
-                <a16:creationId xmlns:a16="http://schemas.microsoft.com/office/drawing/2014/main" xmlns="" id="{9CCF9F70-AD21-4C00-93BB-80562B272D9E}"/>
-              </a:ext>
-            </a:extLst>
-          </p:cNvPr>
-          <p:cNvSpPr>
-            <a:spLocks noGrp="1"/>
-          </p:cNvSpPr>
-          <p:nvPr>
-            <p:ph idx="1"/>
-          </p:nvPr>
-        </p:nvSpPr>
-        <p:spPr/>
-        <p:txBody>
           <a:bodyPr/>
           <a:lstStyle/>
           <a:p>
-            <a:pPr marL="0" indent="0">
-              <a:buNone/>
-            </a:pPr>
-            <a:r>
-              <a:rPr lang="en-US" b="1" dirty="0" err="1" smtClean="0">
-                <a:latin typeface="Times New Roman" panose="02020603050405020304" pitchFamily="18" charset="0"/>
-                <a:cs typeface="Times New Roman" panose="02020603050405020304" pitchFamily="18" charset="0"/>
-              </a:rPr>
-              <a:t>Kết</a:t>
-            </a:r>
-            <a:r>
-              <a:rPr lang="en-US" b="1" dirty="0" smtClean="0">
-                <a:latin typeface="Times New Roman" panose="02020603050405020304" pitchFamily="18" charset="0"/>
-                <a:cs typeface="Times New Roman" panose="02020603050405020304" pitchFamily="18" charset="0"/>
-              </a:rPr>
-              <a:t> </a:t>
-            </a:r>
-            <a:r>
-              <a:rPr lang="en-US" b="1" dirty="0" err="1" smtClean="0">
-                <a:latin typeface="Times New Roman" panose="02020603050405020304" pitchFamily="18" charset="0"/>
-                <a:cs typeface="Times New Roman" panose="02020603050405020304" pitchFamily="18" charset="0"/>
-              </a:rPr>
-              <a:t>quả</a:t>
-            </a:r>
-            <a:r>
-              <a:rPr lang="en-US" b="1" dirty="0" smtClean="0">
-                <a:latin typeface="Times New Roman" panose="02020603050405020304" pitchFamily="18" charset="0"/>
-                <a:cs typeface="Times New Roman" panose="02020603050405020304" pitchFamily="18" charset="0"/>
-              </a:rPr>
-              <a:t> </a:t>
-            </a:r>
-            <a:r>
-              <a:rPr lang="en-US" b="1" dirty="0" err="1" smtClean="0">
-                <a:latin typeface="Times New Roman" panose="02020603050405020304" pitchFamily="18" charset="0"/>
-                <a:cs typeface="Times New Roman" panose="02020603050405020304" pitchFamily="18" charset="0"/>
-              </a:rPr>
-              <a:t>đạt</a:t>
-            </a:r>
-            <a:r>
-              <a:rPr lang="en-US" b="1" dirty="0" smtClean="0">
-                <a:latin typeface="Times New Roman" panose="02020603050405020304" pitchFamily="18" charset="0"/>
-                <a:cs typeface="Times New Roman" panose="02020603050405020304" pitchFamily="18" charset="0"/>
-              </a:rPr>
-              <a:t> </a:t>
-            </a:r>
-            <a:r>
-              <a:rPr lang="en-US" b="1" dirty="0" err="1" smtClean="0">
-                <a:latin typeface="Times New Roman" panose="02020603050405020304" pitchFamily="18" charset="0"/>
-                <a:cs typeface="Times New Roman" panose="02020603050405020304" pitchFamily="18" charset="0"/>
-              </a:rPr>
-              <a:t>được</a:t>
-            </a:r>
-            <a:endParaRPr lang="en-US" b="1" dirty="0">
-              <a:latin typeface="Times New Roman" panose="02020603050405020304" pitchFamily="18" charset="0"/>
-              <a:cs typeface="Times New Roman" panose="02020603050405020304" pitchFamily="18" charset="0"/>
-            </a:endParaRPr>
-          </a:p>
-          <a:p>
-            <a:pPr marL="0" indent="0">
-              <a:buNone/>
-            </a:pPr>
-            <a:r>
-              <a:rPr lang="en-US" dirty="0" err="1"/>
-              <a:t>Hoàn</a:t>
-            </a:r>
-            <a:r>
-              <a:rPr lang="en-US" dirty="0"/>
-              <a:t> </a:t>
-            </a:r>
-            <a:r>
-              <a:rPr lang="en-US" dirty="0" err="1"/>
-              <a:t>thành</a:t>
-            </a:r>
-            <a:r>
-              <a:rPr lang="en-US" dirty="0"/>
-              <a:t> </a:t>
-            </a:r>
-            <a:r>
-              <a:rPr lang="en-US" dirty="0" err="1"/>
-              <a:t>các</a:t>
-            </a:r>
-            <a:r>
-              <a:rPr lang="en-US" dirty="0"/>
-              <a:t> </a:t>
-            </a:r>
-            <a:r>
-              <a:rPr lang="en-US" dirty="0" err="1"/>
-              <a:t>chức</a:t>
-            </a:r>
-            <a:r>
-              <a:rPr lang="en-US" dirty="0"/>
-              <a:t> </a:t>
-            </a:r>
-            <a:r>
-              <a:rPr lang="en-US" dirty="0" err="1"/>
-              <a:t>năng</a:t>
-            </a:r>
-            <a:r>
-              <a:rPr lang="en-US" dirty="0"/>
-              <a:t> </a:t>
-            </a:r>
-            <a:r>
-              <a:rPr lang="en-US" dirty="0" err="1"/>
-              <a:t>cơ</a:t>
-            </a:r>
-            <a:r>
-              <a:rPr lang="en-US" dirty="0"/>
-              <a:t> </a:t>
-            </a:r>
-            <a:r>
-              <a:rPr lang="en-US" dirty="0" err="1"/>
-              <a:t>bản</a:t>
-            </a:r>
-            <a:r>
-              <a:rPr lang="en-US" dirty="0"/>
-              <a:t> </a:t>
-            </a:r>
-            <a:r>
-              <a:rPr lang="en-US" dirty="0" err="1"/>
-              <a:t>của</a:t>
-            </a:r>
-            <a:r>
-              <a:rPr lang="en-US" dirty="0"/>
-              <a:t> 1 </a:t>
-            </a:r>
-            <a:r>
-              <a:rPr lang="en-US" dirty="0" err="1"/>
-              <a:t>từ</a:t>
-            </a:r>
-            <a:r>
-              <a:rPr lang="en-US" dirty="0"/>
-              <a:t> </a:t>
-            </a:r>
-            <a:r>
-              <a:rPr lang="en-US" dirty="0" err="1"/>
-              <a:t>điển</a:t>
-            </a:r>
-            <a:r>
-              <a:rPr lang="en-US" dirty="0"/>
-              <a:t> </a:t>
-            </a:r>
-            <a:r>
-              <a:rPr lang="en-US" dirty="0" err="1"/>
-              <a:t>như</a:t>
-            </a:r>
-            <a:r>
-              <a:rPr lang="en-US" dirty="0"/>
-              <a:t>: search </a:t>
-            </a:r>
-            <a:r>
-              <a:rPr lang="en-US" dirty="0" err="1"/>
-              <a:t>từ</a:t>
-            </a:r>
-            <a:r>
-              <a:rPr lang="en-US" dirty="0"/>
-              <a:t> </a:t>
-            </a:r>
-            <a:r>
-              <a:rPr lang="en-US" dirty="0" err="1"/>
-              <a:t>vựng</a:t>
-            </a:r>
-            <a:r>
-              <a:rPr lang="en-US" dirty="0"/>
-              <a:t>, </a:t>
-            </a:r>
-            <a:r>
-              <a:rPr lang="en-US" dirty="0" err="1"/>
-              <a:t>phát</a:t>
-            </a:r>
-            <a:r>
-              <a:rPr lang="en-US" dirty="0"/>
-              <a:t> </a:t>
-            </a:r>
-            <a:r>
-              <a:rPr lang="en-US" dirty="0" err="1"/>
-              <a:t>âm</a:t>
-            </a:r>
-            <a:r>
-              <a:rPr lang="en-US" dirty="0"/>
-              <a:t>, </a:t>
-            </a:r>
-            <a:r>
-              <a:rPr lang="en-US" dirty="0" err="1"/>
-              <a:t>thêm</a:t>
-            </a:r>
-            <a:r>
-              <a:rPr lang="en-US" dirty="0"/>
-              <a:t> </a:t>
-            </a:r>
-            <a:r>
-              <a:rPr lang="en-US" dirty="0" err="1"/>
-              <a:t>từ</a:t>
-            </a:r>
-            <a:r>
-              <a:rPr lang="en-US" dirty="0"/>
-              <a:t>, </a:t>
-            </a:r>
-            <a:r>
-              <a:rPr lang="en-US" dirty="0" err="1"/>
-              <a:t>xóa</a:t>
-            </a:r>
-            <a:r>
-              <a:rPr lang="en-US" dirty="0"/>
-              <a:t> </a:t>
-            </a:r>
-            <a:r>
-              <a:rPr lang="en-US" dirty="0" err="1"/>
-              <a:t>từ</a:t>
-            </a:r>
-            <a:r>
-              <a:rPr lang="en-US" dirty="0"/>
-              <a:t>.</a:t>
-            </a:r>
-          </a:p>
-          <a:p>
-            <a:pPr marL="0" indent="0">
-              <a:buNone/>
-            </a:pPr>
-            <a:endParaRPr lang="en-US" dirty="0">
-              <a:latin typeface="Times New Roman" panose="02020603050405020304" pitchFamily="18" charset="0"/>
-              <a:cs typeface="Times New Roman" panose="02020603050405020304" pitchFamily="18" charset="0"/>
-            </a:endParaRPr>
+            <a:r>
+              <a:rPr lang="en-US" b="1" dirty="0">
+                <a:latin typeface="Times New Roman" panose="02020603050405020304" pitchFamily="18" charset="0"/>
+                <a:cs typeface="Times New Roman" panose="02020603050405020304" pitchFamily="18" charset="0"/>
+              </a:rPr>
+              <a:t>DEMO</a:t>
+            </a:r>
           </a:p>
         </p:txBody>
       </p:sp>
     </p:spTree>
     <p:extLst>
       <p:ext uri="{BB962C8B-B14F-4D97-AF65-F5344CB8AC3E}">
-        <p14:creationId xmlns:p14="http://schemas.microsoft.com/office/powerpoint/2010/main" val="2726006763"/>
+        <p14:creationId xmlns:p14="http://schemas.microsoft.com/office/powerpoint/2010/main" val="37496574"/>
       </p:ext>
     </p:extLst>
   </p:cSld>
@@ -6533,7 +6286,7 @@
           <p:cNvPr id="2" name="Title 1">
             <a:extLst>
               <a:ext uri="{FF2B5EF4-FFF2-40B4-BE49-F238E27FC236}">
-                <a16:creationId xmlns:a16="http://schemas.microsoft.com/office/drawing/2014/main" xmlns="" id="{1D0BF073-F51A-4AB4-A7A5-3769DC8C0BD1}"/>
+                <a16:creationId xmlns="" xmlns:a16="http://schemas.microsoft.com/office/drawing/2014/main" id="{B6601BDE-8D58-4B27-9322-2CE52DF5A871}"/>
               </a:ext>
             </a:extLst>
           </p:cNvPr>
@@ -6546,17 +6299,18 @@
         </p:nvSpPr>
         <p:spPr/>
         <p:txBody>
-          <a:bodyPr/>
+          <a:bodyPr>
+            <a:normAutofit/>
+          </a:bodyPr>
           <a:lstStyle/>
           <a:p>
             <a:r>
-              <a:rPr lang="en-US" b="1" dirty="0">
+              <a:rPr lang="en-US" sz="4000" b="1" dirty="0">
                 <a:latin typeface="Times New Roman" panose="02020603050405020304" pitchFamily="18" charset="0"/>
                 <a:cs typeface="Times New Roman" panose="02020603050405020304" pitchFamily="18" charset="0"/>
               </a:rPr>
               <a:t>KẾT LUẬN</a:t>
             </a:r>
-            <a:endParaRPr lang="en-US" dirty="0"/>
           </a:p>
         </p:txBody>
       </p:sp>
@@ -6565,7 +6319,7 @@
           <p:cNvPr id="3" name="Content Placeholder 2">
             <a:extLst>
               <a:ext uri="{FF2B5EF4-FFF2-40B4-BE49-F238E27FC236}">
-                <a16:creationId xmlns:a16="http://schemas.microsoft.com/office/drawing/2014/main" xmlns="" id="{C4EFBB8A-F8A7-4406-99D3-96CEBE2AD913}"/>
+                <a16:creationId xmlns="" xmlns:a16="http://schemas.microsoft.com/office/drawing/2014/main" id="{9CCF9F70-AD21-4C00-93BB-80562B272D9E}"/>
               </a:ext>
             </a:extLst>
           </p:cNvPr>
@@ -6585,25 +6339,53 @@
               <a:buNone/>
             </a:pPr>
             <a:r>
-              <a:rPr lang="en-US" b="1" dirty="0" err="1">
-                <a:latin typeface="Times New Roman" panose="02020603050405020304" pitchFamily="18" charset="0"/>
-                <a:cs typeface="Times New Roman" panose="02020603050405020304" pitchFamily="18" charset="0"/>
-              </a:rPr>
-              <a:t>Ưu</a:t>
-            </a:r>
-            <a:r>
-              <a:rPr lang="en-US" b="1" dirty="0">
-                <a:latin typeface="Times New Roman" panose="02020603050405020304" pitchFamily="18" charset="0"/>
-                <a:cs typeface="Times New Roman" panose="02020603050405020304" pitchFamily="18" charset="0"/>
-              </a:rPr>
-              <a:t> </a:t>
-            </a:r>
-            <a:r>
               <a:rPr lang="en-US" b="1" dirty="0" err="1" smtClean="0">
                 <a:latin typeface="Times New Roman" panose="02020603050405020304" pitchFamily="18" charset="0"/>
                 <a:cs typeface="Times New Roman" panose="02020603050405020304" pitchFamily="18" charset="0"/>
               </a:rPr>
-              <a:t>điểm</a:t>
+              <a:t>Kết</a:t>
+            </a:r>
+            <a:r>
+              <a:rPr lang="en-US" b="1" dirty="0" smtClean="0">
+                <a:latin typeface="Times New Roman" panose="02020603050405020304" pitchFamily="18" charset="0"/>
+                <a:cs typeface="Times New Roman" panose="02020603050405020304" pitchFamily="18" charset="0"/>
+              </a:rPr>
+              <a:t> </a:t>
+            </a:r>
+            <a:r>
+              <a:rPr lang="en-US" b="1" dirty="0" err="1" smtClean="0">
+                <a:latin typeface="Times New Roman" panose="02020603050405020304" pitchFamily="18" charset="0"/>
+                <a:cs typeface="Times New Roman" panose="02020603050405020304" pitchFamily="18" charset="0"/>
+              </a:rPr>
+              <a:t>quả</a:t>
+            </a:r>
+            <a:r>
+              <a:rPr lang="en-US" b="1" dirty="0" smtClean="0">
+                <a:latin typeface="Times New Roman" panose="02020603050405020304" pitchFamily="18" charset="0"/>
+                <a:cs typeface="Times New Roman" panose="02020603050405020304" pitchFamily="18" charset="0"/>
+              </a:rPr>
+              <a:t> </a:t>
+            </a:r>
+            <a:r>
+              <a:rPr lang="en-US" b="1" dirty="0" err="1" smtClean="0">
+                <a:latin typeface="Times New Roman" panose="02020603050405020304" pitchFamily="18" charset="0"/>
+                <a:cs typeface="Times New Roman" panose="02020603050405020304" pitchFamily="18" charset="0"/>
+              </a:rPr>
+              <a:t>đạt</a:t>
+            </a:r>
+            <a:r>
+              <a:rPr lang="en-US" b="1" dirty="0" smtClean="0">
+                <a:latin typeface="Times New Roman" panose="02020603050405020304" pitchFamily="18" charset="0"/>
+                <a:cs typeface="Times New Roman" panose="02020603050405020304" pitchFamily="18" charset="0"/>
+              </a:rPr>
+              <a:t> </a:t>
+            </a:r>
+            <a:r>
+              <a:rPr lang="en-US" b="1" dirty="0" err="1" smtClean="0">
+                <a:latin typeface="Times New Roman" panose="02020603050405020304" pitchFamily="18" charset="0"/>
+                <a:cs typeface="Times New Roman" panose="02020603050405020304" pitchFamily="18" charset="0"/>
+              </a:rPr>
+              <a:t>được</a:t>
             </a:r>
             <a:endParaRPr lang="en-US" b="1" dirty="0">
               <a:latin typeface="Times New Roman" panose="02020603050405020304" pitchFamily="18" charset="0"/>
@@ -6615,488 +6397,269 @@
               <a:buNone/>
             </a:pPr>
             <a:r>
-              <a:rPr lang="en-US" dirty="0" err="1" smtClean="0"/>
-              <a:t>Với</a:t>
-            </a:r>
-            <a:r>
-              <a:rPr lang="en-US" dirty="0" smtClean="0"/>
-              <a:t> </a:t>
-            </a:r>
-            <a:r>
-              <a:rPr lang="en-US" dirty="0" err="1"/>
-              <a:t>phần</a:t>
-            </a:r>
-            <a:r>
-              <a:rPr lang="en-US" dirty="0"/>
-              <a:t> </a:t>
-            </a:r>
-            <a:r>
-              <a:rPr lang="en-US" dirty="0" err="1"/>
-              <a:t>mềm</a:t>
-            </a:r>
-            <a:r>
-              <a:rPr lang="en-US" dirty="0"/>
-              <a:t> </a:t>
-            </a:r>
-            <a:r>
-              <a:rPr lang="en-US" dirty="0" err="1"/>
-              <a:t>này</a:t>
-            </a:r>
-            <a:r>
-              <a:rPr lang="en-US" dirty="0"/>
-              <a:t> </a:t>
-            </a:r>
-            <a:r>
-              <a:rPr lang="en-US" dirty="0" err="1"/>
-              <a:t>người</a:t>
-            </a:r>
-            <a:r>
-              <a:rPr lang="en-US" dirty="0"/>
-              <a:t> </a:t>
-            </a:r>
-            <a:r>
-              <a:rPr lang="en-US" dirty="0" err="1"/>
-              <a:t>sư</a:t>
-            </a:r>
-            <a:r>
-              <a:rPr lang="en-US" dirty="0"/>
-              <a:t>̉ </a:t>
-            </a:r>
-            <a:r>
-              <a:rPr lang="en-US" dirty="0" err="1"/>
-              <a:t>dụng</a:t>
-            </a:r>
-            <a:r>
-              <a:rPr lang="en-US" dirty="0"/>
-              <a:t> có </a:t>
-            </a:r>
-            <a:r>
-              <a:rPr lang="en-US" dirty="0" err="1"/>
-              <a:t>thê</a:t>
-            </a:r>
-            <a:r>
-              <a:rPr lang="en-US" dirty="0"/>
-              <a:t>̉ </a:t>
-            </a:r>
-            <a:r>
-              <a:rPr lang="en-US" dirty="0" err="1"/>
-              <a:t>tra</a:t>
-            </a:r>
-            <a:r>
-              <a:rPr lang="en-US" dirty="0"/>
-              <a:t> </a:t>
-            </a:r>
-            <a:r>
-              <a:rPr lang="en-US" dirty="0" err="1"/>
-              <a:t>cứu</a:t>
-            </a:r>
-            <a:r>
-              <a:rPr lang="en-US" dirty="0"/>
-              <a:t> </a:t>
-            </a:r>
-            <a:r>
-              <a:rPr lang="en-US" dirty="0" err="1"/>
-              <a:t>nghĩa</a:t>
-            </a:r>
-            <a:r>
-              <a:rPr lang="en-US" dirty="0"/>
-              <a:t> </a:t>
-            </a:r>
-            <a:r>
-              <a:rPr lang="en-US" dirty="0" err="1"/>
-              <a:t>của</a:t>
-            </a:r>
-            <a:r>
-              <a:rPr lang="en-US" dirty="0"/>
-              <a:t> </a:t>
-            </a:r>
-            <a:r>
-              <a:rPr lang="en-US" dirty="0" err="1"/>
-              <a:t>tư</a:t>
-            </a:r>
-            <a:r>
-              <a:rPr lang="en-US" dirty="0"/>
-              <a:t>̀ vì </a:t>
-            </a:r>
-            <a:r>
-              <a:rPr lang="en-US" dirty="0" err="1"/>
-              <a:t>giao</a:t>
-            </a:r>
-            <a:r>
-              <a:rPr lang="en-US" dirty="0"/>
-              <a:t> </a:t>
-            </a:r>
-            <a:r>
-              <a:rPr lang="en-US" dirty="0" err="1"/>
-              <a:t>diện</a:t>
-            </a:r>
-            <a:r>
-              <a:rPr lang="en-US" dirty="0"/>
-              <a:t> </a:t>
-            </a:r>
-            <a:r>
-              <a:rPr lang="en-US" dirty="0" err="1"/>
-              <a:t>rất</a:t>
-            </a:r>
-            <a:r>
-              <a:rPr lang="en-US" dirty="0"/>
-              <a:t> </a:t>
-            </a:r>
-            <a:r>
-              <a:rPr lang="en-US" dirty="0" err="1"/>
-              <a:t>dê</a:t>
-            </a:r>
-            <a:r>
-              <a:rPr lang="en-US" dirty="0"/>
-              <a:t>̃ </a:t>
-            </a:r>
-            <a:r>
-              <a:rPr lang="en-US" dirty="0" err="1"/>
-              <a:t>sư</a:t>
-            </a:r>
-            <a:r>
-              <a:rPr lang="en-US" dirty="0"/>
-              <a:t>̉ </a:t>
-            </a:r>
-            <a:r>
-              <a:rPr lang="en-US" dirty="0" err="1"/>
-              <a:t>dụng</a:t>
-            </a:r>
-            <a:r>
-              <a:rPr lang="en-US" dirty="0"/>
-              <a:t>. </a:t>
-            </a:r>
-            <a:r>
-              <a:rPr lang="en-US" dirty="0" err="1"/>
-              <a:t>Mặt</a:t>
-            </a:r>
-            <a:r>
-              <a:rPr lang="en-US" dirty="0"/>
-              <a:t> </a:t>
-            </a:r>
-            <a:r>
-              <a:rPr lang="en-US" dirty="0" err="1"/>
-              <a:t>khác</a:t>
-            </a:r>
-            <a:r>
-              <a:rPr lang="en-US" dirty="0"/>
-              <a:t> có </a:t>
-            </a:r>
-            <a:r>
-              <a:rPr lang="en-US" dirty="0" err="1"/>
-              <a:t>thê</a:t>
-            </a:r>
-            <a:r>
-              <a:rPr lang="en-US" dirty="0"/>
-              <a:t>̉ </a:t>
-            </a:r>
-            <a:r>
-              <a:rPr lang="en-US" dirty="0" err="1"/>
+              <a:rPr lang="en-US" dirty="0" err="1">
+                <a:latin typeface="Times New Roman" panose="02020603050405020304" pitchFamily="18" charset="0"/>
+                <a:cs typeface="Times New Roman" panose="02020603050405020304" pitchFamily="18" charset="0"/>
+              </a:rPr>
+              <a:t>Hoàn</a:t>
+            </a:r>
+            <a:r>
+              <a:rPr lang="en-US" dirty="0">
+                <a:latin typeface="Times New Roman" panose="02020603050405020304" pitchFamily="18" charset="0"/>
+                <a:cs typeface="Times New Roman" panose="02020603050405020304" pitchFamily="18" charset="0"/>
+              </a:rPr>
+              <a:t> </a:t>
+            </a:r>
+            <a:r>
+              <a:rPr lang="en-US" dirty="0" err="1">
+                <a:latin typeface="Times New Roman" panose="02020603050405020304" pitchFamily="18" charset="0"/>
+                <a:cs typeface="Times New Roman" panose="02020603050405020304" pitchFamily="18" charset="0"/>
+              </a:rPr>
+              <a:t>thành</a:t>
+            </a:r>
+            <a:r>
+              <a:rPr lang="en-US" dirty="0">
+                <a:latin typeface="Times New Roman" panose="02020603050405020304" pitchFamily="18" charset="0"/>
+                <a:cs typeface="Times New Roman" panose="02020603050405020304" pitchFamily="18" charset="0"/>
+              </a:rPr>
+              <a:t> </a:t>
+            </a:r>
+            <a:r>
+              <a:rPr lang="en-US" dirty="0" err="1">
+                <a:latin typeface="Times New Roman" panose="02020603050405020304" pitchFamily="18" charset="0"/>
+                <a:cs typeface="Times New Roman" panose="02020603050405020304" pitchFamily="18" charset="0"/>
+              </a:rPr>
+              <a:t>các</a:t>
+            </a:r>
+            <a:r>
+              <a:rPr lang="en-US" dirty="0">
+                <a:latin typeface="Times New Roman" panose="02020603050405020304" pitchFamily="18" charset="0"/>
+                <a:cs typeface="Times New Roman" panose="02020603050405020304" pitchFamily="18" charset="0"/>
+              </a:rPr>
+              <a:t> </a:t>
+            </a:r>
+            <a:r>
+              <a:rPr lang="en-US" dirty="0" err="1">
+                <a:latin typeface="Times New Roman" panose="02020603050405020304" pitchFamily="18" charset="0"/>
+                <a:cs typeface="Times New Roman" panose="02020603050405020304" pitchFamily="18" charset="0"/>
+              </a:rPr>
+              <a:t>chức</a:t>
+            </a:r>
+            <a:r>
+              <a:rPr lang="en-US" dirty="0">
+                <a:latin typeface="Times New Roman" panose="02020603050405020304" pitchFamily="18" charset="0"/>
+                <a:cs typeface="Times New Roman" panose="02020603050405020304" pitchFamily="18" charset="0"/>
+              </a:rPr>
+              <a:t> </a:t>
+            </a:r>
+            <a:r>
+              <a:rPr lang="en-US" dirty="0" err="1">
+                <a:latin typeface="Times New Roman" panose="02020603050405020304" pitchFamily="18" charset="0"/>
+                <a:cs typeface="Times New Roman" panose="02020603050405020304" pitchFamily="18" charset="0"/>
+              </a:rPr>
+              <a:t>năng</a:t>
+            </a:r>
+            <a:r>
+              <a:rPr lang="en-US" dirty="0">
+                <a:latin typeface="Times New Roman" panose="02020603050405020304" pitchFamily="18" charset="0"/>
+                <a:cs typeface="Times New Roman" panose="02020603050405020304" pitchFamily="18" charset="0"/>
+              </a:rPr>
+              <a:t> </a:t>
+            </a:r>
+            <a:r>
+              <a:rPr lang="en-US" dirty="0" err="1">
+                <a:latin typeface="Times New Roman" panose="02020603050405020304" pitchFamily="18" charset="0"/>
+                <a:cs typeface="Times New Roman" panose="02020603050405020304" pitchFamily="18" charset="0"/>
+              </a:rPr>
+              <a:t>cơ</a:t>
+            </a:r>
+            <a:r>
+              <a:rPr lang="en-US" dirty="0">
+                <a:latin typeface="Times New Roman" panose="02020603050405020304" pitchFamily="18" charset="0"/>
+                <a:cs typeface="Times New Roman" panose="02020603050405020304" pitchFamily="18" charset="0"/>
+              </a:rPr>
+              <a:t> </a:t>
+            </a:r>
+            <a:r>
+              <a:rPr lang="en-US" dirty="0" err="1">
+                <a:latin typeface="Times New Roman" panose="02020603050405020304" pitchFamily="18" charset="0"/>
+                <a:cs typeface="Times New Roman" panose="02020603050405020304" pitchFamily="18" charset="0"/>
+              </a:rPr>
+              <a:t>bản</a:t>
+            </a:r>
+            <a:r>
+              <a:rPr lang="en-US" dirty="0">
+                <a:latin typeface="Times New Roman" panose="02020603050405020304" pitchFamily="18" charset="0"/>
+                <a:cs typeface="Times New Roman" panose="02020603050405020304" pitchFamily="18" charset="0"/>
+              </a:rPr>
+              <a:t> </a:t>
+            </a:r>
+            <a:r>
+              <a:rPr lang="en-US" dirty="0" err="1">
+                <a:latin typeface="Times New Roman" panose="02020603050405020304" pitchFamily="18" charset="0"/>
+                <a:cs typeface="Times New Roman" panose="02020603050405020304" pitchFamily="18" charset="0"/>
+              </a:rPr>
+              <a:t>của</a:t>
+            </a:r>
+            <a:r>
+              <a:rPr lang="en-US" dirty="0">
+                <a:latin typeface="Times New Roman" panose="02020603050405020304" pitchFamily="18" charset="0"/>
+                <a:cs typeface="Times New Roman" panose="02020603050405020304" pitchFamily="18" charset="0"/>
+              </a:rPr>
+              <a:t> 1 </a:t>
+            </a:r>
+            <a:r>
+              <a:rPr lang="en-US" dirty="0" err="1">
+                <a:latin typeface="Times New Roman" panose="02020603050405020304" pitchFamily="18" charset="0"/>
+                <a:cs typeface="Times New Roman" panose="02020603050405020304" pitchFamily="18" charset="0"/>
+              </a:rPr>
+              <a:t>từ</a:t>
+            </a:r>
+            <a:r>
+              <a:rPr lang="en-US" dirty="0">
+                <a:latin typeface="Times New Roman" panose="02020603050405020304" pitchFamily="18" charset="0"/>
+                <a:cs typeface="Times New Roman" panose="02020603050405020304" pitchFamily="18" charset="0"/>
+              </a:rPr>
+              <a:t> </a:t>
+            </a:r>
+            <a:r>
+              <a:rPr lang="en-US" dirty="0" err="1">
+                <a:latin typeface="Times New Roman" panose="02020603050405020304" pitchFamily="18" charset="0"/>
+                <a:cs typeface="Times New Roman" panose="02020603050405020304" pitchFamily="18" charset="0"/>
+              </a:rPr>
+              <a:t>điển</a:t>
+            </a:r>
+            <a:r>
+              <a:rPr lang="en-US" dirty="0">
+                <a:latin typeface="Times New Roman" panose="02020603050405020304" pitchFamily="18" charset="0"/>
+                <a:cs typeface="Times New Roman" panose="02020603050405020304" pitchFamily="18" charset="0"/>
+              </a:rPr>
+              <a:t> </a:t>
+            </a:r>
+            <a:r>
+              <a:rPr lang="en-US" dirty="0" err="1">
+                <a:latin typeface="Times New Roman" panose="02020603050405020304" pitchFamily="18" charset="0"/>
+                <a:cs typeface="Times New Roman" panose="02020603050405020304" pitchFamily="18" charset="0"/>
+              </a:rPr>
+              <a:t>như</a:t>
+            </a:r>
+            <a:r>
+              <a:rPr lang="en-US" dirty="0">
+                <a:latin typeface="Times New Roman" panose="02020603050405020304" pitchFamily="18" charset="0"/>
+                <a:cs typeface="Times New Roman" panose="02020603050405020304" pitchFamily="18" charset="0"/>
+              </a:rPr>
+              <a:t>: search </a:t>
+            </a:r>
+            <a:r>
+              <a:rPr lang="en-US" dirty="0" err="1">
+                <a:latin typeface="Times New Roman" panose="02020603050405020304" pitchFamily="18" charset="0"/>
+                <a:cs typeface="Times New Roman" panose="02020603050405020304" pitchFamily="18" charset="0"/>
+              </a:rPr>
+              <a:t>từ</a:t>
+            </a:r>
+            <a:r>
+              <a:rPr lang="en-US" dirty="0">
+                <a:latin typeface="Times New Roman" panose="02020603050405020304" pitchFamily="18" charset="0"/>
+                <a:cs typeface="Times New Roman" panose="02020603050405020304" pitchFamily="18" charset="0"/>
+              </a:rPr>
+              <a:t> </a:t>
+            </a:r>
+            <a:r>
+              <a:rPr lang="en-US" dirty="0" err="1">
+                <a:latin typeface="Times New Roman" panose="02020603050405020304" pitchFamily="18" charset="0"/>
+                <a:cs typeface="Times New Roman" panose="02020603050405020304" pitchFamily="18" charset="0"/>
+              </a:rPr>
+              <a:t>vựng</a:t>
+            </a:r>
+            <a:r>
+              <a:rPr lang="en-US" dirty="0">
+                <a:latin typeface="Times New Roman" panose="02020603050405020304" pitchFamily="18" charset="0"/>
+                <a:cs typeface="Times New Roman" panose="02020603050405020304" pitchFamily="18" charset="0"/>
+              </a:rPr>
+              <a:t>, </a:t>
+            </a:r>
+            <a:r>
+              <a:rPr lang="en-US" dirty="0" err="1">
+                <a:latin typeface="Times New Roman" panose="02020603050405020304" pitchFamily="18" charset="0"/>
+                <a:cs typeface="Times New Roman" panose="02020603050405020304" pitchFamily="18" charset="0"/>
+              </a:rPr>
+              <a:t>phát</a:t>
+            </a:r>
+            <a:r>
+              <a:rPr lang="en-US" dirty="0">
+                <a:latin typeface="Times New Roman" panose="02020603050405020304" pitchFamily="18" charset="0"/>
+                <a:cs typeface="Times New Roman" panose="02020603050405020304" pitchFamily="18" charset="0"/>
+              </a:rPr>
+              <a:t> </a:t>
+            </a:r>
+            <a:r>
+              <a:rPr lang="en-US" dirty="0" err="1">
+                <a:latin typeface="Times New Roman" panose="02020603050405020304" pitchFamily="18" charset="0"/>
+                <a:cs typeface="Times New Roman" panose="02020603050405020304" pitchFamily="18" charset="0"/>
+              </a:rPr>
+              <a:t>âm</a:t>
+            </a:r>
+            <a:r>
+              <a:rPr lang="en-US" dirty="0">
+                <a:latin typeface="Times New Roman" panose="02020603050405020304" pitchFamily="18" charset="0"/>
+                <a:cs typeface="Times New Roman" panose="02020603050405020304" pitchFamily="18" charset="0"/>
+              </a:rPr>
+              <a:t>, </a:t>
+            </a:r>
+            <a:r>
+              <a:rPr lang="en-US" dirty="0" err="1">
+                <a:latin typeface="Times New Roman" panose="02020603050405020304" pitchFamily="18" charset="0"/>
+                <a:cs typeface="Times New Roman" panose="02020603050405020304" pitchFamily="18" charset="0"/>
+              </a:rPr>
               <a:t>thêm</a:t>
             </a:r>
             <a:r>
-              <a:rPr lang="en-US" dirty="0"/>
-              <a:t> </a:t>
-            </a:r>
-            <a:r>
-              <a:rPr lang="en-US" dirty="0" err="1"/>
-              <a:t>vào</a:t>
-            </a:r>
-            <a:r>
-              <a:rPr lang="en-US" dirty="0"/>
-              <a:t> </a:t>
-            </a:r>
-            <a:r>
-              <a:rPr lang="en-US" dirty="0" err="1"/>
-              <a:t>những</a:t>
-            </a:r>
-            <a:r>
-              <a:rPr lang="en-US" dirty="0"/>
-              <a:t> </a:t>
-            </a:r>
-            <a:r>
-              <a:rPr lang="en-US" dirty="0" err="1"/>
-              <a:t>tư</a:t>
-            </a:r>
-            <a:r>
-              <a:rPr lang="en-US" dirty="0"/>
-              <a:t>̀, </a:t>
-            </a:r>
-            <a:r>
-              <a:rPr lang="en-US" dirty="0" err="1"/>
-              <a:t>cụm</a:t>
-            </a:r>
-            <a:r>
-              <a:rPr lang="en-US" dirty="0"/>
-              <a:t> </a:t>
-            </a:r>
-            <a:r>
-              <a:rPr lang="en-US" dirty="0" err="1"/>
-              <a:t>tư</a:t>
-            </a:r>
-            <a:r>
-              <a:rPr lang="en-US" dirty="0"/>
-              <a:t>̀ </a:t>
-            </a:r>
-            <a:r>
-              <a:rPr lang="en-US" dirty="0" err="1"/>
-              <a:t>mới</a:t>
-            </a:r>
-            <a:r>
-              <a:rPr lang="en-US" dirty="0"/>
-              <a:t> </a:t>
-            </a:r>
-            <a:r>
-              <a:rPr lang="en-US" dirty="0" err="1"/>
-              <a:t>vào</a:t>
-            </a:r>
-            <a:r>
-              <a:rPr lang="en-US" dirty="0"/>
-              <a:t> </a:t>
-            </a:r>
-            <a:r>
-              <a:rPr lang="en-US" dirty="0" err="1"/>
-              <a:t>kho</a:t>
-            </a:r>
-            <a:r>
-              <a:rPr lang="en-US" dirty="0"/>
-              <a:t> </a:t>
-            </a:r>
-            <a:r>
-              <a:rPr lang="en-US" dirty="0" err="1"/>
-              <a:t>tư</a:t>
-            </a:r>
-            <a:r>
-              <a:rPr lang="en-US" dirty="0"/>
-              <a:t>̀ </a:t>
-            </a:r>
-            <a:r>
-              <a:rPr lang="en-US" dirty="0" err="1"/>
-              <a:t>vựng</a:t>
-            </a:r>
-            <a:r>
-              <a:rPr lang="en-US" dirty="0"/>
-              <a:t> </a:t>
-            </a:r>
-            <a:r>
-              <a:rPr lang="en-US" dirty="0" err="1"/>
-              <a:t>của</a:t>
-            </a:r>
-            <a:r>
-              <a:rPr lang="en-US" dirty="0"/>
-              <a:t> </a:t>
-            </a:r>
-            <a:r>
-              <a:rPr lang="en-US" dirty="0" err="1"/>
-              <a:t>mình</a:t>
-            </a:r>
-            <a:r>
-              <a:rPr lang="en-US" dirty="0"/>
-              <a:t> </a:t>
-            </a:r>
-            <a:r>
-              <a:rPr lang="en-US" dirty="0" err="1"/>
-              <a:t>một</a:t>
-            </a:r>
-            <a:r>
-              <a:rPr lang="en-US" dirty="0"/>
-              <a:t> </a:t>
-            </a:r>
-            <a:r>
-              <a:rPr lang="en-US" dirty="0" err="1"/>
-              <a:t>cách</a:t>
-            </a:r>
-            <a:r>
-              <a:rPr lang="en-US" dirty="0"/>
-              <a:t> </a:t>
-            </a:r>
-            <a:r>
-              <a:rPr lang="en-US" dirty="0" err="1"/>
-              <a:t>nhanh</a:t>
-            </a:r>
-            <a:r>
-              <a:rPr lang="en-US" dirty="0"/>
-              <a:t> </a:t>
-            </a:r>
-            <a:r>
-              <a:rPr lang="en-US" dirty="0" err="1"/>
-              <a:t>chóng</a:t>
-            </a:r>
-            <a:r>
-              <a:rPr lang="en-US" dirty="0" smtClean="0"/>
-              <a:t>.</a:t>
-            </a:r>
-          </a:p>
-          <a:p>
-            <a:pPr marL="0" lvl="0" indent="0">
-              <a:buNone/>
-            </a:pPr>
-            <a:r>
-              <a:rPr lang="en-US" dirty="0" err="1" smtClean="0"/>
-              <a:t>Chê</a:t>
-            </a:r>
-            <a:r>
-              <a:rPr lang="en-US" dirty="0" smtClean="0"/>
-              <a:t>́ </a:t>
-            </a:r>
-            <a:r>
-              <a:rPr lang="en-US" dirty="0" err="1"/>
-              <a:t>đô</a:t>
-            </a:r>
-            <a:r>
-              <a:rPr lang="en-US" dirty="0"/>
-              <a:t>̣ </a:t>
-            </a:r>
-            <a:r>
-              <a:rPr lang="en-US" dirty="0" err="1"/>
-              <a:t>phát</a:t>
-            </a:r>
-            <a:r>
-              <a:rPr lang="en-US" dirty="0"/>
-              <a:t> </a:t>
-            </a:r>
-            <a:r>
-              <a:rPr lang="en-US" dirty="0" err="1"/>
-              <a:t>âm</a:t>
-            </a:r>
-            <a:r>
-              <a:rPr lang="en-US" dirty="0"/>
-              <a:t> có </a:t>
-            </a:r>
-            <a:r>
-              <a:rPr lang="en-US" dirty="0" err="1"/>
-              <a:t>thê</a:t>
-            </a:r>
-            <a:r>
-              <a:rPr lang="en-US" dirty="0"/>
-              <a:t>̉ </a:t>
-            </a:r>
-            <a:r>
-              <a:rPr lang="en-US" dirty="0" err="1"/>
-              <a:t>cho</a:t>
-            </a:r>
-            <a:r>
-              <a:rPr lang="en-US" dirty="0"/>
-              <a:t> </a:t>
-            </a:r>
-            <a:r>
-              <a:rPr lang="en-US" dirty="0" err="1"/>
-              <a:t>người</a:t>
-            </a:r>
-            <a:r>
-              <a:rPr lang="en-US" dirty="0"/>
-              <a:t> </a:t>
-            </a:r>
-            <a:r>
-              <a:rPr lang="en-US" dirty="0" err="1"/>
-              <a:t>sư</a:t>
-            </a:r>
-            <a:r>
-              <a:rPr lang="en-US" dirty="0"/>
-              <a:t>̉ </a:t>
-            </a:r>
-            <a:r>
-              <a:rPr lang="en-US" dirty="0" err="1"/>
-              <a:t>dụng</a:t>
-            </a:r>
-            <a:r>
-              <a:rPr lang="en-US" dirty="0"/>
-              <a:t> </a:t>
-            </a:r>
-            <a:r>
-              <a:rPr lang="en-US" dirty="0" err="1"/>
-              <a:t>luyện</a:t>
-            </a:r>
-            <a:r>
-              <a:rPr lang="en-US" dirty="0"/>
-              <a:t> </a:t>
-            </a:r>
-            <a:r>
-              <a:rPr lang="en-US" dirty="0" err="1"/>
-              <a:t>tập</a:t>
-            </a:r>
-            <a:r>
-              <a:rPr lang="en-US" dirty="0"/>
-              <a:t> </a:t>
-            </a:r>
-            <a:r>
-              <a:rPr lang="en-US" dirty="0" err="1"/>
-              <a:t>được</a:t>
-            </a:r>
-            <a:r>
-              <a:rPr lang="en-US" dirty="0"/>
-              <a:t> </a:t>
-            </a:r>
-            <a:r>
-              <a:rPr lang="en-US" dirty="0" err="1"/>
-              <a:t>cách</a:t>
-            </a:r>
-            <a:r>
-              <a:rPr lang="en-US" dirty="0"/>
-              <a:t> </a:t>
-            </a:r>
-            <a:r>
-              <a:rPr lang="en-US" dirty="0" err="1"/>
-              <a:t>đọc</a:t>
-            </a:r>
-            <a:r>
-              <a:rPr lang="en-US" dirty="0"/>
-              <a:t> </a:t>
-            </a:r>
-            <a:r>
-              <a:rPr lang="en-US" dirty="0" err="1"/>
-              <a:t>đúng</a:t>
-            </a:r>
-            <a:r>
-              <a:rPr lang="en-US" dirty="0"/>
-              <a:t> </a:t>
-            </a:r>
-            <a:r>
-              <a:rPr lang="en-US" dirty="0" err="1"/>
-              <a:t>tư</a:t>
-            </a:r>
-            <a:r>
-              <a:rPr lang="en-US" dirty="0"/>
-              <a:t>̀ </a:t>
-            </a:r>
-            <a:r>
-              <a:rPr lang="en-US" dirty="0" err="1"/>
-              <a:t>vựng</a:t>
-            </a:r>
-            <a:r>
-              <a:rPr lang="en-US" dirty="0"/>
-              <a:t> </a:t>
-            </a:r>
-            <a:r>
-              <a:rPr lang="en-US" dirty="0" err="1"/>
-              <a:t>cho</a:t>
-            </a:r>
-            <a:r>
-              <a:rPr lang="en-US" dirty="0"/>
-              <a:t> </a:t>
-            </a:r>
-            <a:r>
-              <a:rPr lang="en-US" dirty="0" err="1"/>
-              <a:t>việc</a:t>
-            </a:r>
-            <a:r>
-              <a:rPr lang="en-US" dirty="0"/>
-              <a:t> </a:t>
-            </a:r>
-            <a:r>
-              <a:rPr lang="en-US" dirty="0" err="1"/>
-              <a:t>giao</a:t>
-            </a:r>
-            <a:r>
-              <a:rPr lang="en-US" dirty="0"/>
-              <a:t> </a:t>
-            </a:r>
-            <a:r>
-              <a:rPr lang="en-US" dirty="0" err="1"/>
-              <a:t>tiếp</a:t>
-            </a:r>
-            <a:r>
-              <a:rPr lang="en-US" dirty="0"/>
+              <a:rPr lang="en-US" dirty="0">
+                <a:latin typeface="Times New Roman" panose="02020603050405020304" pitchFamily="18" charset="0"/>
+                <a:cs typeface="Times New Roman" panose="02020603050405020304" pitchFamily="18" charset="0"/>
+              </a:rPr>
+              <a:t> </a:t>
+            </a:r>
+            <a:r>
+              <a:rPr lang="en-US" dirty="0" err="1">
+                <a:latin typeface="Times New Roman" panose="02020603050405020304" pitchFamily="18" charset="0"/>
+                <a:cs typeface="Times New Roman" panose="02020603050405020304" pitchFamily="18" charset="0"/>
+              </a:rPr>
+              <a:t>từ</a:t>
+            </a:r>
+            <a:r>
+              <a:rPr lang="en-US" dirty="0">
+                <a:latin typeface="Times New Roman" panose="02020603050405020304" pitchFamily="18" charset="0"/>
+                <a:cs typeface="Times New Roman" panose="02020603050405020304" pitchFamily="18" charset="0"/>
+              </a:rPr>
+              <a:t>, </a:t>
+            </a:r>
+            <a:r>
+              <a:rPr lang="en-US" dirty="0" err="1">
+                <a:latin typeface="Times New Roman" panose="02020603050405020304" pitchFamily="18" charset="0"/>
+                <a:cs typeface="Times New Roman" panose="02020603050405020304" pitchFamily="18" charset="0"/>
+              </a:rPr>
+              <a:t>xóa</a:t>
+            </a:r>
+            <a:r>
+              <a:rPr lang="en-US" dirty="0">
+                <a:latin typeface="Times New Roman" panose="02020603050405020304" pitchFamily="18" charset="0"/>
+                <a:cs typeface="Times New Roman" panose="02020603050405020304" pitchFamily="18" charset="0"/>
+              </a:rPr>
+              <a:t> </a:t>
+            </a:r>
+            <a:r>
+              <a:rPr lang="en-US" dirty="0" err="1">
+                <a:latin typeface="Times New Roman" panose="02020603050405020304" pitchFamily="18" charset="0"/>
+                <a:cs typeface="Times New Roman" panose="02020603050405020304" pitchFamily="18" charset="0"/>
+              </a:rPr>
+              <a:t>từ</a:t>
+            </a:r>
+            <a:r>
+              <a:rPr lang="en-US" dirty="0">
+                <a:latin typeface="Times New Roman" panose="02020603050405020304" pitchFamily="18" charset="0"/>
+                <a:cs typeface="Times New Roman" panose="02020603050405020304" pitchFamily="18" charset="0"/>
+              </a:rPr>
               <a:t>.</a:t>
             </a:r>
           </a:p>
@@ -7114,7 +6677,7 @@
     </p:spTree>
     <p:extLst>
       <p:ext uri="{BB962C8B-B14F-4D97-AF65-F5344CB8AC3E}">
-        <p14:creationId xmlns:p14="http://schemas.microsoft.com/office/powerpoint/2010/main" val="722780645"/>
+        <p14:creationId xmlns:p14="http://schemas.microsoft.com/office/powerpoint/2010/main" val="2726006763"/>
       </p:ext>
     </p:extLst>
   </p:cSld>
@@ -7153,7 +6716,7 @@
           <p:cNvPr id="2" name="Title 1">
             <a:extLst>
               <a:ext uri="{FF2B5EF4-FFF2-40B4-BE49-F238E27FC236}">
-                <a16:creationId xmlns:a16="http://schemas.microsoft.com/office/drawing/2014/main" xmlns="" id="{7A79ED03-D7A6-4E12-8BE2-685F41CDBC5D}"/>
+                <a16:creationId xmlns="" xmlns:a16="http://schemas.microsoft.com/office/drawing/2014/main" id="{1D0BF073-F51A-4AB4-A7A5-3769DC8C0BD1}"/>
               </a:ext>
             </a:extLst>
           </p:cNvPr>
@@ -7185,7 +6748,7 @@
           <p:cNvPr id="3" name="Content Placeholder 2">
             <a:extLst>
               <a:ext uri="{FF2B5EF4-FFF2-40B4-BE49-F238E27FC236}">
-                <a16:creationId xmlns:a16="http://schemas.microsoft.com/office/drawing/2014/main" xmlns="" id="{3B887A39-F22B-456F-B6E0-B9A93BF6980F}"/>
+                <a16:creationId xmlns="" xmlns:a16="http://schemas.microsoft.com/office/drawing/2014/main" id="{C4EFBB8A-F8A7-4406-99D3-96CEBE2AD913}"/>
               </a:ext>
             </a:extLst>
           </p:cNvPr>
@@ -7205,14 +6768,14 @@
               <a:buNone/>
             </a:pPr>
             <a:r>
-              <a:rPr lang="en-US" b="1" dirty="0" err="1" smtClean="0">
-                <a:latin typeface="Times New Roman" panose="02020603050405020304" pitchFamily="18" charset="0"/>
-                <a:cs typeface="Times New Roman" panose="02020603050405020304" pitchFamily="18" charset="0"/>
-              </a:rPr>
-              <a:t>Nhược</a:t>
-            </a:r>
-            <a:r>
-              <a:rPr lang="en-US" b="1" dirty="0" smtClean="0">
+              <a:rPr lang="en-US" b="1" dirty="0" err="1">
+                <a:latin typeface="Times New Roman" panose="02020603050405020304" pitchFamily="18" charset="0"/>
+                <a:cs typeface="Times New Roman" panose="02020603050405020304" pitchFamily="18" charset="0"/>
+              </a:rPr>
+              <a:t>Ưu</a:t>
+            </a:r>
+            <a:r>
+              <a:rPr lang="en-US" b="1" dirty="0">
                 <a:latin typeface="Times New Roman" panose="02020603050405020304" pitchFamily="18" charset="0"/>
                 <a:cs typeface="Times New Roman" panose="02020603050405020304" pitchFamily="18" charset="0"/>
               </a:rPr>
@@ -7231,338 +6794,870 @@
             </a:endParaRPr>
           </a:p>
           <a:p>
-            <a:pPr lvl="0"/>
-            <a:r>
-              <a:rPr lang="en-US" dirty="0" err="1"/>
-              <a:t>Chưa</a:t>
-            </a:r>
-            <a:r>
-              <a:rPr lang="en-US" dirty="0"/>
-              <a:t> </a:t>
-            </a:r>
-            <a:r>
-              <a:rPr lang="en-US" dirty="0" err="1"/>
-              <a:t>tối</a:t>
-            </a:r>
-            <a:r>
-              <a:rPr lang="en-US" dirty="0"/>
-              <a:t> </a:t>
-            </a:r>
-            <a:r>
-              <a:rPr lang="en-US" dirty="0" err="1"/>
-              <a:t>ưu</a:t>
-            </a:r>
-            <a:r>
-              <a:rPr lang="en-US" dirty="0"/>
-              <a:t> </a:t>
-            </a:r>
-            <a:r>
-              <a:rPr lang="en-US" dirty="0" err="1"/>
-              <a:t>được</a:t>
-            </a:r>
-            <a:r>
-              <a:rPr lang="en-US" dirty="0"/>
-              <a:t> </a:t>
-            </a:r>
-            <a:r>
-              <a:rPr lang="en-US" dirty="0" err="1"/>
-              <a:t>hết</a:t>
-            </a:r>
-            <a:r>
-              <a:rPr lang="en-US" dirty="0"/>
-              <a:t> </a:t>
-            </a:r>
-            <a:r>
-              <a:rPr lang="en-US" dirty="0" err="1"/>
-              <a:t>các</a:t>
-            </a:r>
-            <a:r>
-              <a:rPr lang="en-US" dirty="0"/>
-              <a:t> </a:t>
-            </a:r>
-            <a:r>
-              <a:rPr lang="en-US" dirty="0" err="1"/>
-              <a:t>tính</a:t>
-            </a:r>
-            <a:r>
-              <a:rPr lang="en-US" dirty="0"/>
-              <a:t> </a:t>
-            </a:r>
-            <a:r>
-              <a:rPr lang="en-US" dirty="0" err="1"/>
-              <a:t>năng</a:t>
-            </a:r>
-            <a:r>
-              <a:rPr lang="en-US" dirty="0"/>
-              <a:t> </a:t>
-            </a:r>
-            <a:r>
-              <a:rPr lang="en-US" dirty="0" err="1"/>
-              <a:t>của</a:t>
-            </a:r>
-            <a:r>
-              <a:rPr lang="en-US" dirty="0"/>
-              <a:t> </a:t>
-            </a:r>
-            <a:r>
-              <a:rPr lang="en-US" dirty="0" err="1"/>
+            <a:pPr marL="0" indent="0">
+              <a:buNone/>
+            </a:pPr>
+            <a:r>
+              <a:rPr lang="en-US" dirty="0" err="1" smtClean="0">
+                <a:latin typeface="Times New Roman" panose="02020603050405020304" pitchFamily="18" charset="0"/>
+                <a:cs typeface="Times New Roman" panose="02020603050405020304" pitchFamily="18" charset="0"/>
+              </a:rPr>
+              <a:t>Với</a:t>
+            </a:r>
+            <a:r>
+              <a:rPr lang="en-US" dirty="0" smtClean="0">
+                <a:latin typeface="Times New Roman" panose="02020603050405020304" pitchFamily="18" charset="0"/>
+                <a:cs typeface="Times New Roman" panose="02020603050405020304" pitchFamily="18" charset="0"/>
+              </a:rPr>
+              <a:t> </a:t>
+            </a:r>
+            <a:r>
+              <a:rPr lang="en-US" dirty="0" err="1">
+                <a:latin typeface="Times New Roman" panose="02020603050405020304" pitchFamily="18" charset="0"/>
+                <a:cs typeface="Times New Roman" panose="02020603050405020304" pitchFamily="18" charset="0"/>
+              </a:rPr>
+              <a:t>phần</a:t>
+            </a:r>
+            <a:r>
+              <a:rPr lang="en-US" dirty="0">
+                <a:latin typeface="Times New Roman" panose="02020603050405020304" pitchFamily="18" charset="0"/>
+                <a:cs typeface="Times New Roman" panose="02020603050405020304" pitchFamily="18" charset="0"/>
+              </a:rPr>
+              <a:t> </a:t>
+            </a:r>
+            <a:r>
+              <a:rPr lang="en-US" dirty="0" err="1">
+                <a:latin typeface="Times New Roman" panose="02020603050405020304" pitchFamily="18" charset="0"/>
+                <a:cs typeface="Times New Roman" panose="02020603050405020304" pitchFamily="18" charset="0"/>
+              </a:rPr>
+              <a:t>mềm</a:t>
+            </a:r>
+            <a:r>
+              <a:rPr lang="en-US" dirty="0">
+                <a:latin typeface="Times New Roman" panose="02020603050405020304" pitchFamily="18" charset="0"/>
+                <a:cs typeface="Times New Roman" panose="02020603050405020304" pitchFamily="18" charset="0"/>
+              </a:rPr>
+              <a:t> </a:t>
+            </a:r>
+            <a:r>
+              <a:rPr lang="en-US" dirty="0" err="1">
+                <a:latin typeface="Times New Roman" panose="02020603050405020304" pitchFamily="18" charset="0"/>
+                <a:cs typeface="Times New Roman" panose="02020603050405020304" pitchFamily="18" charset="0"/>
+              </a:rPr>
+              <a:t>này</a:t>
+            </a:r>
+            <a:r>
+              <a:rPr lang="en-US" dirty="0">
+                <a:latin typeface="Times New Roman" panose="02020603050405020304" pitchFamily="18" charset="0"/>
+                <a:cs typeface="Times New Roman" panose="02020603050405020304" pitchFamily="18" charset="0"/>
+              </a:rPr>
+              <a:t> </a:t>
+            </a:r>
+            <a:r>
+              <a:rPr lang="en-US" dirty="0" err="1">
+                <a:latin typeface="Times New Roman" panose="02020603050405020304" pitchFamily="18" charset="0"/>
+                <a:cs typeface="Times New Roman" panose="02020603050405020304" pitchFamily="18" charset="0"/>
+              </a:rPr>
+              <a:t>người</a:t>
+            </a:r>
+            <a:r>
+              <a:rPr lang="en-US" dirty="0">
+                <a:latin typeface="Times New Roman" panose="02020603050405020304" pitchFamily="18" charset="0"/>
+                <a:cs typeface="Times New Roman" panose="02020603050405020304" pitchFamily="18" charset="0"/>
+              </a:rPr>
+              <a:t> </a:t>
+            </a:r>
+            <a:r>
+              <a:rPr lang="en-US" dirty="0" err="1">
+                <a:latin typeface="Times New Roman" panose="02020603050405020304" pitchFamily="18" charset="0"/>
+                <a:cs typeface="Times New Roman" panose="02020603050405020304" pitchFamily="18" charset="0"/>
+              </a:rPr>
+              <a:t>sư</a:t>
+            </a:r>
+            <a:r>
+              <a:rPr lang="en-US" dirty="0">
+                <a:latin typeface="Times New Roman" panose="02020603050405020304" pitchFamily="18" charset="0"/>
+                <a:cs typeface="Times New Roman" panose="02020603050405020304" pitchFamily="18" charset="0"/>
+              </a:rPr>
+              <a:t>̉ </a:t>
+            </a:r>
+            <a:r>
+              <a:rPr lang="en-US" dirty="0" err="1">
+                <a:latin typeface="Times New Roman" panose="02020603050405020304" pitchFamily="18" charset="0"/>
+                <a:cs typeface="Times New Roman" panose="02020603050405020304" pitchFamily="18" charset="0"/>
+              </a:rPr>
+              <a:t>dụng</a:t>
+            </a:r>
+            <a:r>
+              <a:rPr lang="en-US" dirty="0">
+                <a:latin typeface="Times New Roman" panose="02020603050405020304" pitchFamily="18" charset="0"/>
+                <a:cs typeface="Times New Roman" panose="02020603050405020304" pitchFamily="18" charset="0"/>
+              </a:rPr>
+              <a:t> có </a:t>
+            </a:r>
+            <a:r>
+              <a:rPr lang="en-US" dirty="0" err="1">
+                <a:latin typeface="Times New Roman" panose="02020603050405020304" pitchFamily="18" charset="0"/>
+                <a:cs typeface="Times New Roman" panose="02020603050405020304" pitchFamily="18" charset="0"/>
+              </a:rPr>
+              <a:t>thê</a:t>
+            </a:r>
+            <a:r>
+              <a:rPr lang="en-US" dirty="0">
+                <a:latin typeface="Times New Roman" panose="02020603050405020304" pitchFamily="18" charset="0"/>
+                <a:cs typeface="Times New Roman" panose="02020603050405020304" pitchFamily="18" charset="0"/>
+              </a:rPr>
+              <a:t>̉ </a:t>
+            </a:r>
+            <a:r>
+              <a:rPr lang="en-US" dirty="0" err="1">
+                <a:latin typeface="Times New Roman" panose="02020603050405020304" pitchFamily="18" charset="0"/>
+                <a:cs typeface="Times New Roman" panose="02020603050405020304" pitchFamily="18" charset="0"/>
+              </a:rPr>
+              <a:t>tra</a:t>
+            </a:r>
+            <a:r>
+              <a:rPr lang="en-US" dirty="0">
+                <a:latin typeface="Times New Roman" panose="02020603050405020304" pitchFamily="18" charset="0"/>
+                <a:cs typeface="Times New Roman" panose="02020603050405020304" pitchFamily="18" charset="0"/>
+              </a:rPr>
+              <a:t> </a:t>
+            </a:r>
+            <a:r>
+              <a:rPr lang="en-US" dirty="0" err="1">
+                <a:latin typeface="Times New Roman" panose="02020603050405020304" pitchFamily="18" charset="0"/>
+                <a:cs typeface="Times New Roman" panose="02020603050405020304" pitchFamily="18" charset="0"/>
+              </a:rPr>
+              <a:t>cứu</a:t>
+            </a:r>
+            <a:r>
+              <a:rPr lang="en-US" dirty="0">
+                <a:latin typeface="Times New Roman" panose="02020603050405020304" pitchFamily="18" charset="0"/>
+                <a:cs typeface="Times New Roman" panose="02020603050405020304" pitchFamily="18" charset="0"/>
+              </a:rPr>
+              <a:t> </a:t>
+            </a:r>
+            <a:r>
+              <a:rPr lang="en-US" dirty="0" err="1">
+                <a:latin typeface="Times New Roman" panose="02020603050405020304" pitchFamily="18" charset="0"/>
+                <a:cs typeface="Times New Roman" panose="02020603050405020304" pitchFamily="18" charset="0"/>
+              </a:rPr>
+              <a:t>nghĩa</a:t>
+            </a:r>
+            <a:r>
+              <a:rPr lang="en-US" dirty="0">
+                <a:latin typeface="Times New Roman" panose="02020603050405020304" pitchFamily="18" charset="0"/>
+                <a:cs typeface="Times New Roman" panose="02020603050405020304" pitchFamily="18" charset="0"/>
+              </a:rPr>
+              <a:t> </a:t>
+            </a:r>
+            <a:r>
+              <a:rPr lang="en-US" dirty="0" err="1">
+                <a:latin typeface="Times New Roman" panose="02020603050405020304" pitchFamily="18" charset="0"/>
+                <a:cs typeface="Times New Roman" panose="02020603050405020304" pitchFamily="18" charset="0"/>
+              </a:rPr>
               <a:t>của</a:t>
             </a:r>
             <a:r>
-              <a:rPr lang="en-US" dirty="0"/>
-              <a:t> </a:t>
-            </a:r>
-            <a:r>
-              <a:rPr lang="en-US" dirty="0" err="1"/>
+              <a:rPr lang="en-US" dirty="0">
+                <a:latin typeface="Times New Roman" panose="02020603050405020304" pitchFamily="18" charset="0"/>
+                <a:cs typeface="Times New Roman" panose="02020603050405020304" pitchFamily="18" charset="0"/>
+              </a:rPr>
+              <a:t> </a:t>
+            </a:r>
+            <a:r>
+              <a:rPr lang="en-US" dirty="0" err="1">
+                <a:latin typeface="Times New Roman" panose="02020603050405020304" pitchFamily="18" charset="0"/>
+                <a:cs typeface="Times New Roman" panose="02020603050405020304" pitchFamily="18" charset="0"/>
+              </a:rPr>
               <a:t>tư</a:t>
             </a:r>
             <a:r>
-              <a:rPr lang="en-US" dirty="0"/>
+              <a:rPr lang="en-US" dirty="0">
+                <a:latin typeface="Times New Roman" panose="02020603050405020304" pitchFamily="18" charset="0"/>
+                <a:cs typeface="Times New Roman" panose="02020603050405020304" pitchFamily="18" charset="0"/>
+              </a:rPr>
+              <a:t>̀ vì </a:t>
+            </a:r>
+            <a:r>
+              <a:rPr lang="en-US" dirty="0" err="1">
+                <a:latin typeface="Times New Roman" panose="02020603050405020304" pitchFamily="18" charset="0"/>
+                <a:cs typeface="Times New Roman" panose="02020603050405020304" pitchFamily="18" charset="0"/>
+              </a:rPr>
+              <a:t>giao</a:t>
+            </a:r>
+            <a:r>
+              <a:rPr lang="en-US" dirty="0">
+                <a:latin typeface="Times New Roman" panose="02020603050405020304" pitchFamily="18" charset="0"/>
+                <a:cs typeface="Times New Roman" panose="02020603050405020304" pitchFamily="18" charset="0"/>
+              </a:rPr>
+              <a:t> </a:t>
+            </a:r>
+            <a:r>
+              <a:rPr lang="en-US" dirty="0" err="1">
+                <a:latin typeface="Times New Roman" panose="02020603050405020304" pitchFamily="18" charset="0"/>
+                <a:cs typeface="Times New Roman" panose="02020603050405020304" pitchFamily="18" charset="0"/>
+              </a:rPr>
+              <a:t>diện</a:t>
+            </a:r>
+            <a:r>
+              <a:rPr lang="en-US" dirty="0">
+                <a:latin typeface="Times New Roman" panose="02020603050405020304" pitchFamily="18" charset="0"/>
+                <a:cs typeface="Times New Roman" panose="02020603050405020304" pitchFamily="18" charset="0"/>
+              </a:rPr>
+              <a:t> </a:t>
+            </a:r>
+            <a:r>
+              <a:rPr lang="en-US" dirty="0" err="1">
+                <a:latin typeface="Times New Roman" panose="02020603050405020304" pitchFamily="18" charset="0"/>
+                <a:cs typeface="Times New Roman" panose="02020603050405020304" pitchFamily="18" charset="0"/>
+              </a:rPr>
+              <a:t>rất</a:t>
+            </a:r>
+            <a:r>
+              <a:rPr lang="en-US" dirty="0">
+                <a:latin typeface="Times New Roman" panose="02020603050405020304" pitchFamily="18" charset="0"/>
+                <a:cs typeface="Times New Roman" panose="02020603050405020304" pitchFamily="18" charset="0"/>
+              </a:rPr>
+              <a:t> </a:t>
+            </a:r>
+            <a:r>
+              <a:rPr lang="en-US" dirty="0" err="1">
+                <a:latin typeface="Times New Roman" panose="02020603050405020304" pitchFamily="18" charset="0"/>
+                <a:cs typeface="Times New Roman" panose="02020603050405020304" pitchFamily="18" charset="0"/>
+              </a:rPr>
+              <a:t>dê</a:t>
+            </a:r>
+            <a:r>
+              <a:rPr lang="en-US" dirty="0">
+                <a:latin typeface="Times New Roman" panose="02020603050405020304" pitchFamily="18" charset="0"/>
+                <a:cs typeface="Times New Roman" panose="02020603050405020304" pitchFamily="18" charset="0"/>
+              </a:rPr>
+              <a:t>̃ </a:t>
+            </a:r>
+            <a:r>
+              <a:rPr lang="en-US" dirty="0" err="1">
+                <a:latin typeface="Times New Roman" panose="02020603050405020304" pitchFamily="18" charset="0"/>
+                <a:cs typeface="Times New Roman" panose="02020603050405020304" pitchFamily="18" charset="0"/>
+              </a:rPr>
+              <a:t>sư</a:t>
+            </a:r>
+            <a:r>
+              <a:rPr lang="en-US" dirty="0">
+                <a:latin typeface="Times New Roman" panose="02020603050405020304" pitchFamily="18" charset="0"/>
+                <a:cs typeface="Times New Roman" panose="02020603050405020304" pitchFamily="18" charset="0"/>
+              </a:rPr>
+              <a:t>̉ </a:t>
+            </a:r>
+            <a:r>
+              <a:rPr lang="en-US" dirty="0" err="1">
+                <a:latin typeface="Times New Roman" panose="02020603050405020304" pitchFamily="18" charset="0"/>
+                <a:cs typeface="Times New Roman" panose="02020603050405020304" pitchFamily="18" charset="0"/>
+              </a:rPr>
+              <a:t>dụng</a:t>
+            </a:r>
+            <a:r>
+              <a:rPr lang="en-US" dirty="0">
+                <a:latin typeface="Times New Roman" panose="02020603050405020304" pitchFamily="18" charset="0"/>
+                <a:cs typeface="Times New Roman" panose="02020603050405020304" pitchFamily="18" charset="0"/>
+              </a:rPr>
+              <a:t>. </a:t>
+            </a:r>
+            <a:r>
+              <a:rPr lang="en-US" dirty="0" err="1">
+                <a:latin typeface="Times New Roman" panose="02020603050405020304" pitchFamily="18" charset="0"/>
+                <a:cs typeface="Times New Roman" panose="02020603050405020304" pitchFamily="18" charset="0"/>
+              </a:rPr>
+              <a:t>Mặt</a:t>
+            </a:r>
+            <a:r>
+              <a:rPr lang="en-US" dirty="0">
+                <a:latin typeface="Times New Roman" panose="02020603050405020304" pitchFamily="18" charset="0"/>
+                <a:cs typeface="Times New Roman" panose="02020603050405020304" pitchFamily="18" charset="0"/>
+              </a:rPr>
+              <a:t> </a:t>
+            </a:r>
+            <a:r>
+              <a:rPr lang="en-US" dirty="0" err="1">
+                <a:latin typeface="Times New Roman" panose="02020603050405020304" pitchFamily="18" charset="0"/>
+                <a:cs typeface="Times New Roman" panose="02020603050405020304" pitchFamily="18" charset="0"/>
+              </a:rPr>
+              <a:t>khác</a:t>
+            </a:r>
+            <a:r>
+              <a:rPr lang="en-US" dirty="0">
+                <a:latin typeface="Times New Roman" panose="02020603050405020304" pitchFamily="18" charset="0"/>
+                <a:cs typeface="Times New Roman" panose="02020603050405020304" pitchFamily="18" charset="0"/>
+              </a:rPr>
+              <a:t> có </a:t>
+            </a:r>
+            <a:r>
+              <a:rPr lang="en-US" dirty="0" err="1">
+                <a:latin typeface="Times New Roman" panose="02020603050405020304" pitchFamily="18" charset="0"/>
+                <a:cs typeface="Times New Roman" panose="02020603050405020304" pitchFamily="18" charset="0"/>
+              </a:rPr>
+              <a:t>thê</a:t>
+            </a:r>
+            <a:r>
+              <a:rPr lang="en-US" dirty="0">
+                <a:latin typeface="Times New Roman" panose="02020603050405020304" pitchFamily="18" charset="0"/>
+                <a:cs typeface="Times New Roman" panose="02020603050405020304" pitchFamily="18" charset="0"/>
+              </a:rPr>
+              <a:t>̉ </a:t>
+            </a:r>
+            <a:r>
+              <a:rPr lang="en-US" dirty="0" err="1">
+                <a:latin typeface="Times New Roman" panose="02020603050405020304" pitchFamily="18" charset="0"/>
+                <a:cs typeface="Times New Roman" panose="02020603050405020304" pitchFamily="18" charset="0"/>
+              </a:rPr>
+              <a:t>thêm</a:t>
+            </a:r>
+            <a:r>
+              <a:rPr lang="en-US" dirty="0">
+                <a:latin typeface="Times New Roman" panose="02020603050405020304" pitchFamily="18" charset="0"/>
+                <a:cs typeface="Times New Roman" panose="02020603050405020304" pitchFamily="18" charset="0"/>
+              </a:rPr>
+              <a:t> </a:t>
+            </a:r>
+            <a:r>
+              <a:rPr lang="en-US" dirty="0" err="1">
+                <a:latin typeface="Times New Roman" panose="02020603050405020304" pitchFamily="18" charset="0"/>
+                <a:cs typeface="Times New Roman" panose="02020603050405020304" pitchFamily="18" charset="0"/>
+              </a:rPr>
+              <a:t>vào</a:t>
+            </a:r>
+            <a:r>
+              <a:rPr lang="en-US" dirty="0">
+                <a:latin typeface="Times New Roman" panose="02020603050405020304" pitchFamily="18" charset="0"/>
+                <a:cs typeface="Times New Roman" panose="02020603050405020304" pitchFamily="18" charset="0"/>
+              </a:rPr>
+              <a:t> </a:t>
+            </a:r>
+            <a:r>
+              <a:rPr lang="en-US" dirty="0" err="1">
+                <a:latin typeface="Times New Roman" panose="02020603050405020304" pitchFamily="18" charset="0"/>
+                <a:cs typeface="Times New Roman" panose="02020603050405020304" pitchFamily="18" charset="0"/>
+              </a:rPr>
+              <a:t>những</a:t>
+            </a:r>
+            <a:r>
+              <a:rPr lang="en-US" dirty="0">
+                <a:latin typeface="Times New Roman" panose="02020603050405020304" pitchFamily="18" charset="0"/>
+                <a:cs typeface="Times New Roman" panose="02020603050405020304" pitchFamily="18" charset="0"/>
+              </a:rPr>
+              <a:t> </a:t>
+            </a:r>
+            <a:r>
+              <a:rPr lang="en-US" dirty="0" err="1">
+                <a:latin typeface="Times New Roman" panose="02020603050405020304" pitchFamily="18" charset="0"/>
+                <a:cs typeface="Times New Roman" panose="02020603050405020304" pitchFamily="18" charset="0"/>
+              </a:rPr>
+              <a:t>tư</a:t>
+            </a:r>
+            <a:r>
+              <a:rPr lang="en-US" dirty="0">
+                <a:latin typeface="Times New Roman" panose="02020603050405020304" pitchFamily="18" charset="0"/>
+                <a:cs typeface="Times New Roman" panose="02020603050405020304" pitchFamily="18" charset="0"/>
+              </a:rPr>
+              <a:t>̀, </a:t>
+            </a:r>
+            <a:r>
+              <a:rPr lang="en-US" dirty="0" err="1">
+                <a:latin typeface="Times New Roman" panose="02020603050405020304" pitchFamily="18" charset="0"/>
+                <a:cs typeface="Times New Roman" panose="02020603050405020304" pitchFamily="18" charset="0"/>
+              </a:rPr>
+              <a:t>cụm</a:t>
+            </a:r>
+            <a:r>
+              <a:rPr lang="en-US" dirty="0">
+                <a:latin typeface="Times New Roman" panose="02020603050405020304" pitchFamily="18" charset="0"/>
+                <a:cs typeface="Times New Roman" panose="02020603050405020304" pitchFamily="18" charset="0"/>
+              </a:rPr>
+              <a:t> </a:t>
+            </a:r>
+            <a:r>
+              <a:rPr lang="en-US" dirty="0" err="1">
+                <a:latin typeface="Times New Roman" panose="02020603050405020304" pitchFamily="18" charset="0"/>
+                <a:cs typeface="Times New Roman" panose="02020603050405020304" pitchFamily="18" charset="0"/>
+              </a:rPr>
+              <a:t>tư</a:t>
+            </a:r>
+            <a:r>
+              <a:rPr lang="en-US" dirty="0">
+                <a:latin typeface="Times New Roman" panose="02020603050405020304" pitchFamily="18" charset="0"/>
+                <a:cs typeface="Times New Roman" panose="02020603050405020304" pitchFamily="18" charset="0"/>
+              </a:rPr>
               <a:t>̀ </a:t>
             </a:r>
             <a:r>
-              <a:rPr lang="en-US" dirty="0" err="1"/>
-              <a:t>điển</a:t>
-            </a:r>
-            <a:r>
-              <a:rPr lang="en-US" dirty="0"/>
-              <a:t> </a:t>
-            </a:r>
-            <a:r>
-              <a:rPr lang="en-US" dirty="0" err="1"/>
-              <a:t>như</a:t>
-            </a:r>
-            <a:r>
-              <a:rPr lang="en-US" dirty="0"/>
-              <a:t> </a:t>
-            </a:r>
-            <a:r>
-              <a:rPr lang="en-US" dirty="0" err="1"/>
-              <a:t>chỉnh</a:t>
-            </a:r>
-            <a:r>
-              <a:rPr lang="en-US" dirty="0"/>
-              <a:t> </a:t>
-            </a:r>
-            <a:r>
-              <a:rPr lang="en-US" dirty="0" err="1"/>
-              <a:t>sửa</a:t>
-            </a:r>
-            <a:r>
-              <a:rPr lang="en-US" dirty="0"/>
-              <a:t> </a:t>
-            </a:r>
-            <a:r>
-              <a:rPr lang="en-US" dirty="0" err="1"/>
+              <a:rPr lang="en-US" dirty="0" err="1">
+                <a:latin typeface="Times New Roman" panose="02020603050405020304" pitchFamily="18" charset="0"/>
+                <a:cs typeface="Times New Roman" panose="02020603050405020304" pitchFamily="18" charset="0"/>
+              </a:rPr>
+              <a:t>mới</a:t>
+            </a:r>
+            <a:r>
+              <a:rPr lang="en-US" dirty="0">
+                <a:latin typeface="Times New Roman" panose="02020603050405020304" pitchFamily="18" charset="0"/>
+                <a:cs typeface="Times New Roman" panose="02020603050405020304" pitchFamily="18" charset="0"/>
+              </a:rPr>
+              <a:t> </a:t>
+            </a:r>
+            <a:r>
+              <a:rPr lang="en-US" dirty="0" err="1">
+                <a:latin typeface="Times New Roman" panose="02020603050405020304" pitchFamily="18" charset="0"/>
+                <a:cs typeface="Times New Roman" panose="02020603050405020304" pitchFamily="18" charset="0"/>
+              </a:rPr>
+              <a:t>vào</a:t>
+            </a:r>
+            <a:r>
+              <a:rPr lang="en-US" dirty="0">
+                <a:latin typeface="Times New Roman" panose="02020603050405020304" pitchFamily="18" charset="0"/>
+                <a:cs typeface="Times New Roman" panose="02020603050405020304" pitchFamily="18" charset="0"/>
+              </a:rPr>
+              <a:t> </a:t>
+            </a:r>
+            <a:r>
+              <a:rPr lang="en-US" dirty="0" err="1">
+                <a:latin typeface="Times New Roman" panose="02020603050405020304" pitchFamily="18" charset="0"/>
+                <a:cs typeface="Times New Roman" panose="02020603050405020304" pitchFamily="18" charset="0"/>
+              </a:rPr>
+              <a:t>kho</a:t>
+            </a:r>
+            <a:r>
+              <a:rPr lang="en-US" dirty="0">
+                <a:latin typeface="Times New Roman" panose="02020603050405020304" pitchFamily="18" charset="0"/>
+                <a:cs typeface="Times New Roman" panose="02020603050405020304" pitchFamily="18" charset="0"/>
+              </a:rPr>
+              <a:t> </a:t>
+            </a:r>
+            <a:r>
+              <a:rPr lang="en-US" dirty="0" err="1">
+                <a:latin typeface="Times New Roman" panose="02020603050405020304" pitchFamily="18" charset="0"/>
+                <a:cs typeface="Times New Roman" panose="02020603050405020304" pitchFamily="18" charset="0"/>
+              </a:rPr>
               <a:t>tư</a:t>
             </a:r>
             <a:r>
-              <a:rPr lang="en-US" dirty="0"/>
-              <a:t>̀, </a:t>
-            </a:r>
-            <a:r>
-              <a:rPr lang="en-US" dirty="0" err="1"/>
-              <a:t>xóa</a:t>
-            </a:r>
-            <a:r>
-              <a:rPr lang="en-US" dirty="0"/>
-              <a:t> </a:t>
-            </a:r>
-            <a:r>
-              <a:rPr lang="en-US" dirty="0" err="1"/>
+              <a:rPr lang="en-US" dirty="0">
+                <a:latin typeface="Times New Roman" panose="02020603050405020304" pitchFamily="18" charset="0"/>
+                <a:cs typeface="Times New Roman" panose="02020603050405020304" pitchFamily="18" charset="0"/>
+              </a:rPr>
+              <a:t>̀ </a:t>
+            </a:r>
+            <a:r>
+              <a:rPr lang="en-US" dirty="0" err="1">
+                <a:latin typeface="Times New Roman" panose="02020603050405020304" pitchFamily="18" charset="0"/>
+                <a:cs typeface="Times New Roman" panose="02020603050405020304" pitchFamily="18" charset="0"/>
+              </a:rPr>
+              <a:t>vựng</a:t>
+            </a:r>
+            <a:r>
+              <a:rPr lang="en-US" dirty="0">
+                <a:latin typeface="Times New Roman" panose="02020603050405020304" pitchFamily="18" charset="0"/>
+                <a:cs typeface="Times New Roman" panose="02020603050405020304" pitchFamily="18" charset="0"/>
+              </a:rPr>
+              <a:t> </a:t>
+            </a:r>
+            <a:r>
+              <a:rPr lang="en-US" dirty="0" err="1">
+                <a:latin typeface="Times New Roman" panose="02020603050405020304" pitchFamily="18" charset="0"/>
+                <a:cs typeface="Times New Roman" panose="02020603050405020304" pitchFamily="18" charset="0"/>
+              </a:rPr>
+              <a:t>của</a:t>
+            </a:r>
+            <a:r>
+              <a:rPr lang="en-US" dirty="0">
+                <a:latin typeface="Times New Roman" panose="02020603050405020304" pitchFamily="18" charset="0"/>
+                <a:cs typeface="Times New Roman" panose="02020603050405020304" pitchFamily="18" charset="0"/>
+              </a:rPr>
+              <a:t> </a:t>
+            </a:r>
+            <a:r>
+              <a:rPr lang="en-US" dirty="0" err="1">
+                <a:latin typeface="Times New Roman" panose="02020603050405020304" pitchFamily="18" charset="0"/>
+                <a:cs typeface="Times New Roman" panose="02020603050405020304" pitchFamily="18" charset="0"/>
+              </a:rPr>
+              <a:t>mình</a:t>
+            </a:r>
+            <a:r>
+              <a:rPr lang="en-US" dirty="0">
+                <a:latin typeface="Times New Roman" panose="02020603050405020304" pitchFamily="18" charset="0"/>
+                <a:cs typeface="Times New Roman" panose="02020603050405020304" pitchFamily="18" charset="0"/>
+              </a:rPr>
+              <a:t> </a:t>
+            </a:r>
+            <a:r>
+              <a:rPr lang="en-US" dirty="0" err="1">
+                <a:latin typeface="Times New Roman" panose="02020603050405020304" pitchFamily="18" charset="0"/>
+                <a:cs typeface="Times New Roman" panose="02020603050405020304" pitchFamily="18" charset="0"/>
+              </a:rPr>
+              <a:t>một</a:t>
+            </a:r>
+            <a:r>
+              <a:rPr lang="en-US" dirty="0">
+                <a:latin typeface="Times New Roman" panose="02020603050405020304" pitchFamily="18" charset="0"/>
+                <a:cs typeface="Times New Roman" panose="02020603050405020304" pitchFamily="18" charset="0"/>
+              </a:rPr>
+              <a:t> </a:t>
+            </a:r>
+            <a:r>
+              <a:rPr lang="en-US" dirty="0" err="1">
+                <a:latin typeface="Times New Roman" panose="02020603050405020304" pitchFamily="18" charset="0"/>
+                <a:cs typeface="Times New Roman" panose="02020603050405020304" pitchFamily="18" charset="0"/>
+              </a:rPr>
+              <a:t>cách</a:t>
+            </a:r>
+            <a:r>
+              <a:rPr lang="en-US" dirty="0">
+                <a:latin typeface="Times New Roman" panose="02020603050405020304" pitchFamily="18" charset="0"/>
+                <a:cs typeface="Times New Roman" panose="02020603050405020304" pitchFamily="18" charset="0"/>
+              </a:rPr>
+              <a:t> </a:t>
+            </a:r>
+            <a:r>
+              <a:rPr lang="en-US" dirty="0" err="1">
+                <a:latin typeface="Times New Roman" panose="02020603050405020304" pitchFamily="18" charset="0"/>
+                <a:cs typeface="Times New Roman" panose="02020603050405020304" pitchFamily="18" charset="0"/>
+              </a:rPr>
+              <a:t>nhanh</a:t>
+            </a:r>
+            <a:r>
+              <a:rPr lang="en-US" dirty="0">
+                <a:latin typeface="Times New Roman" panose="02020603050405020304" pitchFamily="18" charset="0"/>
+                <a:cs typeface="Times New Roman" panose="02020603050405020304" pitchFamily="18" charset="0"/>
+              </a:rPr>
+              <a:t> </a:t>
+            </a:r>
+            <a:r>
+              <a:rPr lang="en-US" dirty="0" err="1">
+                <a:latin typeface="Times New Roman" panose="02020603050405020304" pitchFamily="18" charset="0"/>
+                <a:cs typeface="Times New Roman" panose="02020603050405020304" pitchFamily="18" charset="0"/>
+              </a:rPr>
+              <a:t>chóng</a:t>
+            </a:r>
+            <a:r>
+              <a:rPr lang="en-US" dirty="0" smtClean="0">
+                <a:latin typeface="Times New Roman" panose="02020603050405020304" pitchFamily="18" charset="0"/>
+                <a:cs typeface="Times New Roman" panose="02020603050405020304" pitchFamily="18" charset="0"/>
+              </a:rPr>
+              <a:t>.</a:t>
+            </a:r>
+          </a:p>
+          <a:p>
+            <a:pPr marL="0" lvl="0" indent="0">
+              <a:buNone/>
+            </a:pPr>
+            <a:r>
+              <a:rPr lang="en-US" dirty="0" err="1" smtClean="0">
+                <a:latin typeface="Times New Roman" panose="02020603050405020304" pitchFamily="18" charset="0"/>
+                <a:cs typeface="Times New Roman" panose="02020603050405020304" pitchFamily="18" charset="0"/>
+              </a:rPr>
+              <a:t>Chê</a:t>
+            </a:r>
+            <a:r>
+              <a:rPr lang="en-US" dirty="0" smtClean="0">
+                <a:latin typeface="Times New Roman" panose="02020603050405020304" pitchFamily="18" charset="0"/>
+                <a:cs typeface="Times New Roman" panose="02020603050405020304" pitchFamily="18" charset="0"/>
+              </a:rPr>
+              <a:t>́ </a:t>
+            </a:r>
+            <a:r>
+              <a:rPr lang="en-US" dirty="0" err="1">
+                <a:latin typeface="Times New Roman" panose="02020603050405020304" pitchFamily="18" charset="0"/>
+                <a:cs typeface="Times New Roman" panose="02020603050405020304" pitchFamily="18" charset="0"/>
+              </a:rPr>
+              <a:t>đô</a:t>
+            </a:r>
+            <a:r>
+              <a:rPr lang="en-US" dirty="0">
+                <a:latin typeface="Times New Roman" panose="02020603050405020304" pitchFamily="18" charset="0"/>
+                <a:cs typeface="Times New Roman" panose="02020603050405020304" pitchFamily="18" charset="0"/>
+              </a:rPr>
+              <a:t>̣ </a:t>
+            </a:r>
+            <a:r>
+              <a:rPr lang="en-US" dirty="0" err="1">
+                <a:latin typeface="Times New Roman" panose="02020603050405020304" pitchFamily="18" charset="0"/>
+                <a:cs typeface="Times New Roman" panose="02020603050405020304" pitchFamily="18" charset="0"/>
+              </a:rPr>
+              <a:t>phát</a:t>
+            </a:r>
+            <a:r>
+              <a:rPr lang="en-US" dirty="0">
+                <a:latin typeface="Times New Roman" panose="02020603050405020304" pitchFamily="18" charset="0"/>
+                <a:cs typeface="Times New Roman" panose="02020603050405020304" pitchFamily="18" charset="0"/>
+              </a:rPr>
+              <a:t> </a:t>
+            </a:r>
+            <a:r>
+              <a:rPr lang="en-US" dirty="0" err="1">
+                <a:latin typeface="Times New Roman" panose="02020603050405020304" pitchFamily="18" charset="0"/>
+                <a:cs typeface="Times New Roman" panose="02020603050405020304" pitchFamily="18" charset="0"/>
+              </a:rPr>
+              <a:t>âm</a:t>
+            </a:r>
+            <a:r>
+              <a:rPr lang="en-US" dirty="0">
+                <a:latin typeface="Times New Roman" panose="02020603050405020304" pitchFamily="18" charset="0"/>
+                <a:cs typeface="Times New Roman" panose="02020603050405020304" pitchFamily="18" charset="0"/>
+              </a:rPr>
+              <a:t> có </a:t>
+            </a:r>
+            <a:r>
+              <a:rPr lang="en-US" dirty="0" err="1">
+                <a:latin typeface="Times New Roman" panose="02020603050405020304" pitchFamily="18" charset="0"/>
+                <a:cs typeface="Times New Roman" panose="02020603050405020304" pitchFamily="18" charset="0"/>
+              </a:rPr>
+              <a:t>thê</a:t>
+            </a:r>
+            <a:r>
+              <a:rPr lang="en-US" dirty="0">
+                <a:latin typeface="Times New Roman" panose="02020603050405020304" pitchFamily="18" charset="0"/>
+                <a:cs typeface="Times New Roman" panose="02020603050405020304" pitchFamily="18" charset="0"/>
+              </a:rPr>
+              <a:t>̉ </a:t>
+            </a:r>
+            <a:r>
+              <a:rPr lang="en-US" dirty="0" err="1">
+                <a:latin typeface="Times New Roman" panose="02020603050405020304" pitchFamily="18" charset="0"/>
+                <a:cs typeface="Times New Roman" panose="02020603050405020304" pitchFamily="18" charset="0"/>
+              </a:rPr>
+              <a:t>cho</a:t>
+            </a:r>
+            <a:r>
+              <a:rPr lang="en-US" dirty="0">
+                <a:latin typeface="Times New Roman" panose="02020603050405020304" pitchFamily="18" charset="0"/>
+                <a:cs typeface="Times New Roman" panose="02020603050405020304" pitchFamily="18" charset="0"/>
+              </a:rPr>
+              <a:t> </a:t>
+            </a:r>
+            <a:r>
+              <a:rPr lang="en-US" dirty="0" err="1">
+                <a:latin typeface="Times New Roman" panose="02020603050405020304" pitchFamily="18" charset="0"/>
+                <a:cs typeface="Times New Roman" panose="02020603050405020304" pitchFamily="18" charset="0"/>
+              </a:rPr>
+              <a:t>người</a:t>
+            </a:r>
+            <a:r>
+              <a:rPr lang="en-US" dirty="0">
+                <a:latin typeface="Times New Roman" panose="02020603050405020304" pitchFamily="18" charset="0"/>
+                <a:cs typeface="Times New Roman" panose="02020603050405020304" pitchFamily="18" charset="0"/>
+              </a:rPr>
+              <a:t> </a:t>
+            </a:r>
+            <a:r>
+              <a:rPr lang="en-US" dirty="0" err="1">
+                <a:latin typeface="Times New Roman" panose="02020603050405020304" pitchFamily="18" charset="0"/>
+                <a:cs typeface="Times New Roman" panose="02020603050405020304" pitchFamily="18" charset="0"/>
+              </a:rPr>
+              <a:t>sư</a:t>
+            </a:r>
+            <a:r>
+              <a:rPr lang="en-US" dirty="0">
+                <a:latin typeface="Times New Roman" panose="02020603050405020304" pitchFamily="18" charset="0"/>
+                <a:cs typeface="Times New Roman" panose="02020603050405020304" pitchFamily="18" charset="0"/>
+              </a:rPr>
+              <a:t>̉ </a:t>
+            </a:r>
+            <a:r>
+              <a:rPr lang="en-US" dirty="0" err="1">
+                <a:latin typeface="Times New Roman" panose="02020603050405020304" pitchFamily="18" charset="0"/>
+                <a:cs typeface="Times New Roman" panose="02020603050405020304" pitchFamily="18" charset="0"/>
+              </a:rPr>
+              <a:t>dụng</a:t>
+            </a:r>
+            <a:r>
+              <a:rPr lang="en-US" dirty="0">
+                <a:latin typeface="Times New Roman" panose="02020603050405020304" pitchFamily="18" charset="0"/>
+                <a:cs typeface="Times New Roman" panose="02020603050405020304" pitchFamily="18" charset="0"/>
+              </a:rPr>
+              <a:t> </a:t>
+            </a:r>
+            <a:r>
+              <a:rPr lang="en-US" dirty="0" err="1">
+                <a:latin typeface="Times New Roman" panose="02020603050405020304" pitchFamily="18" charset="0"/>
+                <a:cs typeface="Times New Roman" panose="02020603050405020304" pitchFamily="18" charset="0"/>
+              </a:rPr>
+              <a:t>luyện</a:t>
+            </a:r>
+            <a:r>
+              <a:rPr lang="en-US" dirty="0">
+                <a:latin typeface="Times New Roman" panose="02020603050405020304" pitchFamily="18" charset="0"/>
+                <a:cs typeface="Times New Roman" panose="02020603050405020304" pitchFamily="18" charset="0"/>
+              </a:rPr>
+              <a:t> </a:t>
+            </a:r>
+            <a:r>
+              <a:rPr lang="en-US" dirty="0" err="1">
+                <a:latin typeface="Times New Roman" panose="02020603050405020304" pitchFamily="18" charset="0"/>
+                <a:cs typeface="Times New Roman" panose="02020603050405020304" pitchFamily="18" charset="0"/>
+              </a:rPr>
+              <a:t>tập</a:t>
+            </a:r>
+            <a:r>
+              <a:rPr lang="en-US" dirty="0">
+                <a:latin typeface="Times New Roman" panose="02020603050405020304" pitchFamily="18" charset="0"/>
+                <a:cs typeface="Times New Roman" panose="02020603050405020304" pitchFamily="18" charset="0"/>
+              </a:rPr>
+              <a:t> </a:t>
+            </a:r>
+            <a:r>
+              <a:rPr lang="en-US" dirty="0" err="1">
+                <a:latin typeface="Times New Roman" panose="02020603050405020304" pitchFamily="18" charset="0"/>
+                <a:cs typeface="Times New Roman" panose="02020603050405020304" pitchFamily="18" charset="0"/>
+              </a:rPr>
+              <a:t>được</a:t>
+            </a:r>
+            <a:r>
+              <a:rPr lang="en-US" dirty="0">
+                <a:latin typeface="Times New Roman" panose="02020603050405020304" pitchFamily="18" charset="0"/>
+                <a:cs typeface="Times New Roman" panose="02020603050405020304" pitchFamily="18" charset="0"/>
+              </a:rPr>
+              <a:t> </a:t>
+            </a:r>
+            <a:r>
+              <a:rPr lang="en-US" dirty="0" err="1">
+                <a:latin typeface="Times New Roman" panose="02020603050405020304" pitchFamily="18" charset="0"/>
+                <a:cs typeface="Times New Roman" panose="02020603050405020304" pitchFamily="18" charset="0"/>
+              </a:rPr>
+              <a:t>cách</a:t>
+            </a:r>
+            <a:r>
+              <a:rPr lang="en-US" dirty="0">
+                <a:latin typeface="Times New Roman" panose="02020603050405020304" pitchFamily="18" charset="0"/>
+                <a:cs typeface="Times New Roman" panose="02020603050405020304" pitchFamily="18" charset="0"/>
+              </a:rPr>
+              <a:t> </a:t>
+            </a:r>
+            <a:r>
+              <a:rPr lang="en-US" dirty="0" err="1">
+                <a:latin typeface="Times New Roman" panose="02020603050405020304" pitchFamily="18" charset="0"/>
+                <a:cs typeface="Times New Roman" panose="02020603050405020304" pitchFamily="18" charset="0"/>
+              </a:rPr>
+              <a:t>đọc</a:t>
+            </a:r>
+            <a:r>
+              <a:rPr lang="en-US" dirty="0">
+                <a:latin typeface="Times New Roman" panose="02020603050405020304" pitchFamily="18" charset="0"/>
+                <a:cs typeface="Times New Roman" panose="02020603050405020304" pitchFamily="18" charset="0"/>
+              </a:rPr>
+              <a:t> </a:t>
+            </a:r>
+            <a:r>
+              <a:rPr lang="en-US" dirty="0" err="1">
+                <a:latin typeface="Times New Roman" panose="02020603050405020304" pitchFamily="18" charset="0"/>
+                <a:cs typeface="Times New Roman" panose="02020603050405020304" pitchFamily="18" charset="0"/>
+              </a:rPr>
+              <a:t>đúng</a:t>
+            </a:r>
+            <a:r>
+              <a:rPr lang="en-US" dirty="0">
+                <a:latin typeface="Times New Roman" panose="02020603050405020304" pitchFamily="18" charset="0"/>
+                <a:cs typeface="Times New Roman" panose="02020603050405020304" pitchFamily="18" charset="0"/>
+              </a:rPr>
+              <a:t> </a:t>
+            </a:r>
+            <a:r>
+              <a:rPr lang="en-US" dirty="0" err="1">
+                <a:latin typeface="Times New Roman" panose="02020603050405020304" pitchFamily="18" charset="0"/>
+                <a:cs typeface="Times New Roman" panose="02020603050405020304" pitchFamily="18" charset="0"/>
+              </a:rPr>
               <a:t>tư</a:t>
             </a:r>
             <a:r>
-              <a:rPr lang="en-US" dirty="0"/>
-              <a:t>̀</a:t>
-            </a:r>
-            <a:r>
-              <a:rPr lang="en-US" dirty="0" smtClean="0"/>
+              <a:rPr lang="en-US" dirty="0">
+                <a:latin typeface="Times New Roman" panose="02020603050405020304" pitchFamily="18" charset="0"/>
+                <a:cs typeface="Times New Roman" panose="02020603050405020304" pitchFamily="18" charset="0"/>
+              </a:rPr>
+              <a:t>̀ </a:t>
+            </a:r>
+            <a:r>
+              <a:rPr lang="en-US" dirty="0" err="1">
+                <a:latin typeface="Times New Roman" panose="02020603050405020304" pitchFamily="18" charset="0"/>
+                <a:cs typeface="Times New Roman" panose="02020603050405020304" pitchFamily="18" charset="0"/>
+              </a:rPr>
+              <a:t>vựng</a:t>
+            </a:r>
+            <a:r>
+              <a:rPr lang="en-US" dirty="0">
+                <a:latin typeface="Times New Roman" panose="02020603050405020304" pitchFamily="18" charset="0"/>
+                <a:cs typeface="Times New Roman" panose="02020603050405020304" pitchFamily="18" charset="0"/>
+              </a:rPr>
+              <a:t> </a:t>
+            </a:r>
+            <a:r>
+              <a:rPr lang="en-US" dirty="0" err="1">
+                <a:latin typeface="Times New Roman" panose="02020603050405020304" pitchFamily="18" charset="0"/>
+                <a:cs typeface="Times New Roman" panose="02020603050405020304" pitchFamily="18" charset="0"/>
+              </a:rPr>
+              <a:t>cho</a:t>
+            </a:r>
+            <a:r>
+              <a:rPr lang="en-US" dirty="0">
+                <a:latin typeface="Times New Roman" panose="02020603050405020304" pitchFamily="18" charset="0"/>
+                <a:cs typeface="Times New Roman" panose="02020603050405020304" pitchFamily="18" charset="0"/>
+              </a:rPr>
+              <a:t> </a:t>
+            </a:r>
+            <a:r>
+              <a:rPr lang="en-US" dirty="0" err="1">
+                <a:latin typeface="Times New Roman" panose="02020603050405020304" pitchFamily="18" charset="0"/>
+                <a:cs typeface="Times New Roman" panose="02020603050405020304" pitchFamily="18" charset="0"/>
+              </a:rPr>
+              <a:t>việc</a:t>
+            </a:r>
+            <a:r>
+              <a:rPr lang="en-US" dirty="0">
+                <a:latin typeface="Times New Roman" panose="02020603050405020304" pitchFamily="18" charset="0"/>
+                <a:cs typeface="Times New Roman" panose="02020603050405020304" pitchFamily="18" charset="0"/>
+              </a:rPr>
+              <a:t> </a:t>
+            </a:r>
+            <a:r>
+              <a:rPr lang="en-US" dirty="0" err="1">
+                <a:latin typeface="Times New Roman" panose="02020603050405020304" pitchFamily="18" charset="0"/>
+                <a:cs typeface="Times New Roman" panose="02020603050405020304" pitchFamily="18" charset="0"/>
+              </a:rPr>
+              <a:t>giao</a:t>
+            </a:r>
+            <a:r>
+              <a:rPr lang="en-US" dirty="0">
+                <a:latin typeface="Times New Roman" panose="02020603050405020304" pitchFamily="18" charset="0"/>
+                <a:cs typeface="Times New Roman" panose="02020603050405020304" pitchFamily="18" charset="0"/>
+              </a:rPr>
+              <a:t> </a:t>
+            </a:r>
+            <a:r>
+              <a:rPr lang="en-US" dirty="0" err="1">
+                <a:latin typeface="Times New Roman" panose="02020603050405020304" pitchFamily="18" charset="0"/>
+                <a:cs typeface="Times New Roman" panose="02020603050405020304" pitchFamily="18" charset="0"/>
+              </a:rPr>
+              <a:t>tiếp</a:t>
+            </a:r>
+            <a:r>
+              <a:rPr lang="en-US" dirty="0">
+                <a:latin typeface="Times New Roman" panose="02020603050405020304" pitchFamily="18" charset="0"/>
+                <a:cs typeface="Times New Roman" panose="02020603050405020304" pitchFamily="18" charset="0"/>
+              </a:rPr>
               <a:t>.</a:t>
             </a:r>
           </a:p>
           <a:p>
-            <a:r>
-              <a:rPr lang="en-US" dirty="0" err="1"/>
-              <a:t>Phần</a:t>
-            </a:r>
-            <a:r>
-              <a:rPr lang="en-US" dirty="0"/>
-              <a:t> </a:t>
-            </a:r>
-            <a:r>
-              <a:rPr lang="en-US" dirty="0" err="1"/>
-              <a:t>giao</a:t>
-            </a:r>
-            <a:r>
-              <a:rPr lang="en-US" dirty="0"/>
-              <a:t> </a:t>
-            </a:r>
-            <a:r>
-              <a:rPr lang="en-US" dirty="0" err="1"/>
-              <a:t>diện</a:t>
-            </a:r>
-            <a:r>
-              <a:rPr lang="en-US" dirty="0"/>
-              <a:t> </a:t>
-            </a:r>
-            <a:r>
-              <a:rPr lang="en-US" dirty="0" err="1"/>
-              <a:t>thiết</a:t>
-            </a:r>
-            <a:r>
-              <a:rPr lang="en-US" dirty="0"/>
-              <a:t> </a:t>
-            </a:r>
-            <a:r>
-              <a:rPr lang="en-US" dirty="0" err="1"/>
-              <a:t>kế</a:t>
-            </a:r>
-            <a:r>
-              <a:rPr lang="en-US" dirty="0"/>
-              <a:t> </a:t>
-            </a:r>
-            <a:r>
-              <a:rPr lang="en-US" dirty="0" err="1"/>
-              <a:t>chưa</a:t>
-            </a:r>
-            <a:r>
-              <a:rPr lang="en-US" dirty="0"/>
-              <a:t> </a:t>
-            </a:r>
-            <a:r>
-              <a:rPr lang="en-US" dirty="0" err="1"/>
-              <a:t>được</a:t>
-            </a:r>
-            <a:r>
-              <a:rPr lang="en-US" dirty="0"/>
-              <a:t> </a:t>
-            </a:r>
-            <a:r>
-              <a:rPr lang="en-US" dirty="0" err="1"/>
-              <a:t>đẹp</a:t>
-            </a:r>
-            <a:r>
-              <a:rPr lang="en-US" dirty="0"/>
-              <a:t>.</a:t>
-            </a:r>
-          </a:p>
-          <a:p>
-            <a:r>
-              <a:rPr lang="en-US" dirty="0" err="1"/>
-              <a:t>Chương</a:t>
-            </a:r>
-            <a:r>
-              <a:rPr lang="en-US" dirty="0"/>
-              <a:t> </a:t>
-            </a:r>
-            <a:r>
-              <a:rPr lang="en-US" dirty="0" err="1"/>
-              <a:t>trình</a:t>
-            </a:r>
-            <a:r>
-              <a:rPr lang="en-US" dirty="0"/>
-              <a:t> </a:t>
-            </a:r>
-            <a:r>
-              <a:rPr lang="en-US" dirty="0" err="1"/>
-              <a:t>chưa</a:t>
-            </a:r>
-            <a:r>
-              <a:rPr lang="en-US" dirty="0"/>
-              <a:t> </a:t>
-            </a:r>
-            <a:r>
-              <a:rPr lang="en-US" dirty="0" err="1"/>
-              <a:t>dịch</a:t>
-            </a:r>
-            <a:r>
-              <a:rPr lang="en-US" dirty="0"/>
-              <a:t> </a:t>
-            </a:r>
-            <a:r>
-              <a:rPr lang="en-US" dirty="0" err="1"/>
-              <a:t>được</a:t>
-            </a:r>
-            <a:r>
-              <a:rPr lang="en-US" dirty="0"/>
-              <a:t> </a:t>
-            </a:r>
-            <a:r>
-              <a:rPr lang="en-US" dirty="0" err="1"/>
-              <a:t>nghĩa</a:t>
-            </a:r>
-            <a:r>
-              <a:rPr lang="en-US" dirty="0"/>
-              <a:t> </a:t>
-            </a:r>
-            <a:r>
-              <a:rPr lang="en-US" dirty="0" err="1"/>
-              <a:t>ngược</a:t>
-            </a:r>
-            <a:r>
-              <a:rPr lang="en-US" dirty="0"/>
-              <a:t> </a:t>
-            </a:r>
-            <a:r>
-              <a:rPr lang="en-US" dirty="0" err="1"/>
-              <a:t>lại</a:t>
-            </a:r>
-            <a:r>
-              <a:rPr lang="en-US" dirty="0"/>
-              <a:t> </a:t>
-            </a:r>
-            <a:r>
-              <a:rPr lang="en-US" dirty="0" err="1"/>
-              <a:t>tư</a:t>
-            </a:r>
-            <a:r>
-              <a:rPr lang="en-US" dirty="0"/>
-              <a:t>̀ </a:t>
-            </a:r>
-            <a:r>
-              <a:rPr lang="en-US" dirty="0" err="1"/>
-              <a:t>tiếng</a:t>
-            </a:r>
-            <a:r>
-              <a:rPr lang="en-US" dirty="0"/>
-              <a:t> </a:t>
-            </a:r>
-            <a:r>
-              <a:rPr lang="en-US" dirty="0" err="1"/>
-              <a:t>Việt</a:t>
-            </a:r>
-            <a:r>
-              <a:rPr lang="en-US" dirty="0"/>
-              <a:t> sang </a:t>
-            </a:r>
-            <a:r>
-              <a:rPr lang="en-US" dirty="0" err="1"/>
-              <a:t>tiếng</a:t>
-            </a:r>
-            <a:r>
-              <a:rPr lang="en-US" dirty="0"/>
-              <a:t> </a:t>
-            </a:r>
-            <a:r>
-              <a:rPr lang="en-US" dirty="0" err="1"/>
-              <a:t>Anh</a:t>
-            </a:r>
-            <a:r>
-              <a:rPr lang="en-US" dirty="0"/>
-              <a:t>.</a:t>
-            </a:r>
-          </a:p>
-          <a:p>
-            <a:pPr lvl="0"/>
-            <a:endParaRPr lang="en-US" dirty="0" smtClean="0"/>
+            <a:pPr marL="0" indent="0">
+              <a:buNone/>
+            </a:pPr>
+            <a:endParaRPr lang="en-US" dirty="0">
+              <a:latin typeface="Times New Roman" panose="02020603050405020304" pitchFamily="18" charset="0"/>
+              <a:cs typeface="Times New Roman" panose="02020603050405020304" pitchFamily="18" charset="0"/>
+            </a:endParaRPr>
           </a:p>
         </p:txBody>
       </p:sp>
     </p:spTree>
     <p:extLst>
       <p:ext uri="{BB962C8B-B14F-4D97-AF65-F5344CB8AC3E}">
-        <p14:creationId xmlns:p14="http://schemas.microsoft.com/office/powerpoint/2010/main" val="1098861761"/>
+        <p14:creationId xmlns:p14="http://schemas.microsoft.com/office/powerpoint/2010/main" val="722780645"/>
       </p:ext>
     </p:extLst>
   </p:cSld>
@@ -7598,10 +7693,692 @@
       </p:grpSpPr>
       <p:sp>
         <p:nvSpPr>
+          <p:cNvPr id="2" name="Title 1">
+            <a:extLst>
+              <a:ext uri="{FF2B5EF4-FFF2-40B4-BE49-F238E27FC236}">
+                <a16:creationId xmlns="" xmlns:a16="http://schemas.microsoft.com/office/drawing/2014/main" id="{7A79ED03-D7A6-4E12-8BE2-685F41CDBC5D}"/>
+              </a:ext>
+            </a:extLst>
+          </p:cNvPr>
+          <p:cNvSpPr>
+            <a:spLocks noGrp="1"/>
+          </p:cNvSpPr>
+          <p:nvPr>
+            <p:ph type="title"/>
+          </p:nvPr>
+        </p:nvSpPr>
+        <p:spPr/>
+        <p:txBody>
+          <a:bodyPr/>
+          <a:lstStyle/>
+          <a:p>
+            <a:r>
+              <a:rPr lang="en-US" b="1" dirty="0">
+                <a:latin typeface="Times New Roman" panose="02020603050405020304" pitchFamily="18" charset="0"/>
+                <a:cs typeface="Times New Roman" panose="02020603050405020304" pitchFamily="18" charset="0"/>
+              </a:rPr>
+              <a:t>KẾT LUẬN</a:t>
+            </a:r>
+            <a:endParaRPr lang="en-US" dirty="0"/>
+          </a:p>
+        </p:txBody>
+      </p:sp>
+      <p:sp>
+        <p:nvSpPr>
+          <p:cNvPr id="3" name="Content Placeholder 2">
+            <a:extLst>
+              <a:ext uri="{FF2B5EF4-FFF2-40B4-BE49-F238E27FC236}">
+                <a16:creationId xmlns="" xmlns:a16="http://schemas.microsoft.com/office/drawing/2014/main" id="{3B887A39-F22B-456F-B6E0-B9A93BF6980F}"/>
+              </a:ext>
+            </a:extLst>
+          </p:cNvPr>
+          <p:cNvSpPr>
+            <a:spLocks noGrp="1"/>
+          </p:cNvSpPr>
+          <p:nvPr>
+            <p:ph idx="1"/>
+          </p:nvPr>
+        </p:nvSpPr>
+        <p:spPr/>
+        <p:txBody>
+          <a:bodyPr/>
+          <a:lstStyle/>
+          <a:p>
+            <a:pPr marL="0" indent="0">
+              <a:buNone/>
+            </a:pPr>
+            <a:r>
+              <a:rPr lang="en-US" b="1" dirty="0" err="1" smtClean="0">
+                <a:latin typeface="Times New Roman" panose="02020603050405020304" pitchFamily="18" charset="0"/>
+                <a:cs typeface="Times New Roman" panose="02020603050405020304" pitchFamily="18" charset="0"/>
+              </a:rPr>
+              <a:t>Nhược</a:t>
+            </a:r>
+            <a:r>
+              <a:rPr lang="en-US" b="1" dirty="0" smtClean="0">
+                <a:latin typeface="Times New Roman" panose="02020603050405020304" pitchFamily="18" charset="0"/>
+                <a:cs typeface="Times New Roman" panose="02020603050405020304" pitchFamily="18" charset="0"/>
+              </a:rPr>
+              <a:t> </a:t>
+            </a:r>
+            <a:r>
+              <a:rPr lang="en-US" b="1" dirty="0" err="1" smtClean="0">
+                <a:latin typeface="Times New Roman" panose="02020603050405020304" pitchFamily="18" charset="0"/>
+                <a:cs typeface="Times New Roman" panose="02020603050405020304" pitchFamily="18" charset="0"/>
+              </a:rPr>
+              <a:t>điểm</a:t>
+            </a:r>
+            <a:endParaRPr lang="en-US" b="1" dirty="0">
+              <a:latin typeface="Times New Roman" panose="02020603050405020304" pitchFamily="18" charset="0"/>
+              <a:cs typeface="Times New Roman" panose="02020603050405020304" pitchFamily="18" charset="0"/>
+            </a:endParaRPr>
+          </a:p>
+          <a:p>
+            <a:pPr lvl="0"/>
+            <a:r>
+              <a:rPr lang="en-US" dirty="0" err="1">
+                <a:latin typeface="Times New Roman" panose="02020603050405020304" pitchFamily="18" charset="0"/>
+                <a:cs typeface="Times New Roman" panose="02020603050405020304" pitchFamily="18" charset="0"/>
+              </a:rPr>
+              <a:t>Chưa</a:t>
+            </a:r>
+            <a:r>
+              <a:rPr lang="en-US" dirty="0">
+                <a:latin typeface="Times New Roman" panose="02020603050405020304" pitchFamily="18" charset="0"/>
+                <a:cs typeface="Times New Roman" panose="02020603050405020304" pitchFamily="18" charset="0"/>
+              </a:rPr>
+              <a:t> </a:t>
+            </a:r>
+            <a:r>
+              <a:rPr lang="en-US" dirty="0" err="1">
+                <a:latin typeface="Times New Roman" panose="02020603050405020304" pitchFamily="18" charset="0"/>
+                <a:cs typeface="Times New Roman" panose="02020603050405020304" pitchFamily="18" charset="0"/>
+              </a:rPr>
+              <a:t>tối</a:t>
+            </a:r>
+            <a:r>
+              <a:rPr lang="en-US" dirty="0">
+                <a:latin typeface="Times New Roman" panose="02020603050405020304" pitchFamily="18" charset="0"/>
+                <a:cs typeface="Times New Roman" panose="02020603050405020304" pitchFamily="18" charset="0"/>
+              </a:rPr>
+              <a:t> </a:t>
+            </a:r>
+            <a:r>
+              <a:rPr lang="en-US" dirty="0" err="1">
+                <a:latin typeface="Times New Roman" panose="02020603050405020304" pitchFamily="18" charset="0"/>
+                <a:cs typeface="Times New Roman" panose="02020603050405020304" pitchFamily="18" charset="0"/>
+              </a:rPr>
+              <a:t>ưu</a:t>
+            </a:r>
+            <a:r>
+              <a:rPr lang="en-US" dirty="0">
+                <a:latin typeface="Times New Roman" panose="02020603050405020304" pitchFamily="18" charset="0"/>
+                <a:cs typeface="Times New Roman" panose="02020603050405020304" pitchFamily="18" charset="0"/>
+              </a:rPr>
+              <a:t> </a:t>
+            </a:r>
+            <a:r>
+              <a:rPr lang="en-US" dirty="0" err="1">
+                <a:latin typeface="Times New Roman" panose="02020603050405020304" pitchFamily="18" charset="0"/>
+                <a:cs typeface="Times New Roman" panose="02020603050405020304" pitchFamily="18" charset="0"/>
+              </a:rPr>
+              <a:t>được</a:t>
+            </a:r>
+            <a:r>
+              <a:rPr lang="en-US" dirty="0">
+                <a:latin typeface="Times New Roman" panose="02020603050405020304" pitchFamily="18" charset="0"/>
+                <a:cs typeface="Times New Roman" panose="02020603050405020304" pitchFamily="18" charset="0"/>
+              </a:rPr>
+              <a:t> </a:t>
+            </a:r>
+            <a:r>
+              <a:rPr lang="en-US" dirty="0" err="1">
+                <a:latin typeface="Times New Roman" panose="02020603050405020304" pitchFamily="18" charset="0"/>
+                <a:cs typeface="Times New Roman" panose="02020603050405020304" pitchFamily="18" charset="0"/>
+              </a:rPr>
+              <a:t>hết</a:t>
+            </a:r>
+            <a:r>
+              <a:rPr lang="en-US" dirty="0">
+                <a:latin typeface="Times New Roman" panose="02020603050405020304" pitchFamily="18" charset="0"/>
+                <a:cs typeface="Times New Roman" panose="02020603050405020304" pitchFamily="18" charset="0"/>
+              </a:rPr>
+              <a:t> </a:t>
+            </a:r>
+            <a:r>
+              <a:rPr lang="en-US" dirty="0" err="1">
+                <a:latin typeface="Times New Roman" panose="02020603050405020304" pitchFamily="18" charset="0"/>
+                <a:cs typeface="Times New Roman" panose="02020603050405020304" pitchFamily="18" charset="0"/>
+              </a:rPr>
+              <a:t>các</a:t>
+            </a:r>
+            <a:r>
+              <a:rPr lang="en-US" dirty="0">
+                <a:latin typeface="Times New Roman" panose="02020603050405020304" pitchFamily="18" charset="0"/>
+                <a:cs typeface="Times New Roman" panose="02020603050405020304" pitchFamily="18" charset="0"/>
+              </a:rPr>
+              <a:t> </a:t>
+            </a:r>
+            <a:r>
+              <a:rPr lang="en-US" dirty="0" err="1">
+                <a:latin typeface="Times New Roman" panose="02020603050405020304" pitchFamily="18" charset="0"/>
+                <a:cs typeface="Times New Roman" panose="02020603050405020304" pitchFamily="18" charset="0"/>
+              </a:rPr>
+              <a:t>tính</a:t>
+            </a:r>
+            <a:r>
+              <a:rPr lang="en-US" dirty="0">
+                <a:latin typeface="Times New Roman" panose="02020603050405020304" pitchFamily="18" charset="0"/>
+                <a:cs typeface="Times New Roman" panose="02020603050405020304" pitchFamily="18" charset="0"/>
+              </a:rPr>
+              <a:t> </a:t>
+            </a:r>
+            <a:r>
+              <a:rPr lang="en-US" dirty="0" err="1">
+                <a:latin typeface="Times New Roman" panose="02020603050405020304" pitchFamily="18" charset="0"/>
+                <a:cs typeface="Times New Roman" panose="02020603050405020304" pitchFamily="18" charset="0"/>
+              </a:rPr>
+              <a:t>năng</a:t>
+            </a:r>
+            <a:r>
+              <a:rPr lang="en-US" dirty="0">
+                <a:latin typeface="Times New Roman" panose="02020603050405020304" pitchFamily="18" charset="0"/>
+                <a:cs typeface="Times New Roman" panose="02020603050405020304" pitchFamily="18" charset="0"/>
+              </a:rPr>
+              <a:t> </a:t>
+            </a:r>
+            <a:r>
+              <a:rPr lang="en-US" dirty="0" err="1">
+                <a:latin typeface="Times New Roman" panose="02020603050405020304" pitchFamily="18" charset="0"/>
+                <a:cs typeface="Times New Roman" panose="02020603050405020304" pitchFamily="18" charset="0"/>
+              </a:rPr>
+              <a:t>của</a:t>
+            </a:r>
+            <a:r>
+              <a:rPr lang="en-US" dirty="0">
+                <a:latin typeface="Times New Roman" panose="02020603050405020304" pitchFamily="18" charset="0"/>
+                <a:cs typeface="Times New Roman" panose="02020603050405020304" pitchFamily="18" charset="0"/>
+              </a:rPr>
+              <a:t> </a:t>
+            </a:r>
+            <a:r>
+              <a:rPr lang="en-US" dirty="0" err="1">
+                <a:latin typeface="Times New Roman" panose="02020603050405020304" pitchFamily="18" charset="0"/>
+                <a:cs typeface="Times New Roman" panose="02020603050405020304" pitchFamily="18" charset="0"/>
+              </a:rPr>
+              <a:t>của</a:t>
+            </a:r>
+            <a:r>
+              <a:rPr lang="en-US" dirty="0">
+                <a:latin typeface="Times New Roman" panose="02020603050405020304" pitchFamily="18" charset="0"/>
+                <a:cs typeface="Times New Roman" panose="02020603050405020304" pitchFamily="18" charset="0"/>
+              </a:rPr>
+              <a:t> </a:t>
+            </a:r>
+            <a:r>
+              <a:rPr lang="en-US" dirty="0" err="1">
+                <a:latin typeface="Times New Roman" panose="02020603050405020304" pitchFamily="18" charset="0"/>
+                <a:cs typeface="Times New Roman" panose="02020603050405020304" pitchFamily="18" charset="0"/>
+              </a:rPr>
+              <a:t>tư</a:t>
+            </a:r>
+            <a:r>
+              <a:rPr lang="en-US" dirty="0">
+                <a:latin typeface="Times New Roman" panose="02020603050405020304" pitchFamily="18" charset="0"/>
+                <a:cs typeface="Times New Roman" panose="02020603050405020304" pitchFamily="18" charset="0"/>
+              </a:rPr>
+              <a:t>̀ </a:t>
+            </a:r>
+            <a:r>
+              <a:rPr lang="en-US" dirty="0" err="1">
+                <a:latin typeface="Times New Roman" panose="02020603050405020304" pitchFamily="18" charset="0"/>
+                <a:cs typeface="Times New Roman" panose="02020603050405020304" pitchFamily="18" charset="0"/>
+              </a:rPr>
+              <a:t>điển</a:t>
+            </a:r>
+            <a:r>
+              <a:rPr lang="en-US" dirty="0">
+                <a:latin typeface="Times New Roman" panose="02020603050405020304" pitchFamily="18" charset="0"/>
+                <a:cs typeface="Times New Roman" panose="02020603050405020304" pitchFamily="18" charset="0"/>
+              </a:rPr>
+              <a:t> </a:t>
+            </a:r>
+            <a:r>
+              <a:rPr lang="en-US" dirty="0" err="1">
+                <a:latin typeface="Times New Roman" panose="02020603050405020304" pitchFamily="18" charset="0"/>
+                <a:cs typeface="Times New Roman" panose="02020603050405020304" pitchFamily="18" charset="0"/>
+              </a:rPr>
+              <a:t>như</a:t>
+            </a:r>
+            <a:r>
+              <a:rPr lang="en-US" dirty="0">
+                <a:latin typeface="Times New Roman" panose="02020603050405020304" pitchFamily="18" charset="0"/>
+                <a:cs typeface="Times New Roman" panose="02020603050405020304" pitchFamily="18" charset="0"/>
+              </a:rPr>
+              <a:t> </a:t>
+            </a:r>
+            <a:r>
+              <a:rPr lang="en-US" dirty="0" err="1">
+                <a:latin typeface="Times New Roman" panose="02020603050405020304" pitchFamily="18" charset="0"/>
+                <a:cs typeface="Times New Roman" panose="02020603050405020304" pitchFamily="18" charset="0"/>
+              </a:rPr>
+              <a:t>chỉnh</a:t>
+            </a:r>
+            <a:r>
+              <a:rPr lang="en-US" dirty="0">
+                <a:latin typeface="Times New Roman" panose="02020603050405020304" pitchFamily="18" charset="0"/>
+                <a:cs typeface="Times New Roman" panose="02020603050405020304" pitchFamily="18" charset="0"/>
+              </a:rPr>
+              <a:t> </a:t>
+            </a:r>
+            <a:r>
+              <a:rPr lang="en-US" dirty="0" err="1">
+                <a:latin typeface="Times New Roman" panose="02020603050405020304" pitchFamily="18" charset="0"/>
+                <a:cs typeface="Times New Roman" panose="02020603050405020304" pitchFamily="18" charset="0"/>
+              </a:rPr>
+              <a:t>sửa</a:t>
+            </a:r>
+            <a:r>
+              <a:rPr lang="en-US" dirty="0">
+                <a:latin typeface="Times New Roman" panose="02020603050405020304" pitchFamily="18" charset="0"/>
+                <a:cs typeface="Times New Roman" panose="02020603050405020304" pitchFamily="18" charset="0"/>
+              </a:rPr>
+              <a:t> </a:t>
+            </a:r>
+            <a:r>
+              <a:rPr lang="en-US" dirty="0" err="1">
+                <a:latin typeface="Times New Roman" panose="02020603050405020304" pitchFamily="18" charset="0"/>
+                <a:cs typeface="Times New Roman" panose="02020603050405020304" pitchFamily="18" charset="0"/>
+              </a:rPr>
+              <a:t>tư</a:t>
+            </a:r>
+            <a:r>
+              <a:rPr lang="en-US" dirty="0">
+                <a:latin typeface="Times New Roman" panose="02020603050405020304" pitchFamily="18" charset="0"/>
+                <a:cs typeface="Times New Roman" panose="02020603050405020304" pitchFamily="18" charset="0"/>
+              </a:rPr>
+              <a:t>̀, </a:t>
+            </a:r>
+            <a:r>
+              <a:rPr lang="en-US" dirty="0" err="1">
+                <a:latin typeface="Times New Roman" panose="02020603050405020304" pitchFamily="18" charset="0"/>
+                <a:cs typeface="Times New Roman" panose="02020603050405020304" pitchFamily="18" charset="0"/>
+              </a:rPr>
+              <a:t>xóa</a:t>
+            </a:r>
+            <a:r>
+              <a:rPr lang="en-US" dirty="0">
+                <a:latin typeface="Times New Roman" panose="02020603050405020304" pitchFamily="18" charset="0"/>
+                <a:cs typeface="Times New Roman" panose="02020603050405020304" pitchFamily="18" charset="0"/>
+              </a:rPr>
+              <a:t> </a:t>
+            </a:r>
+            <a:r>
+              <a:rPr lang="en-US" dirty="0" err="1">
+                <a:latin typeface="Times New Roman" panose="02020603050405020304" pitchFamily="18" charset="0"/>
+                <a:cs typeface="Times New Roman" panose="02020603050405020304" pitchFamily="18" charset="0"/>
+              </a:rPr>
+              <a:t>tư</a:t>
+            </a:r>
+            <a:r>
+              <a:rPr lang="en-US" dirty="0">
+                <a:latin typeface="Times New Roman" panose="02020603050405020304" pitchFamily="18" charset="0"/>
+                <a:cs typeface="Times New Roman" panose="02020603050405020304" pitchFamily="18" charset="0"/>
+              </a:rPr>
+              <a:t>̀</a:t>
+            </a:r>
+            <a:r>
+              <a:rPr lang="en-US" dirty="0" smtClean="0">
+                <a:latin typeface="Times New Roman" panose="02020603050405020304" pitchFamily="18" charset="0"/>
+                <a:cs typeface="Times New Roman" panose="02020603050405020304" pitchFamily="18" charset="0"/>
+              </a:rPr>
+              <a:t>.</a:t>
+            </a:r>
+          </a:p>
+          <a:p>
+            <a:r>
+              <a:rPr lang="en-US" dirty="0" err="1">
+                <a:latin typeface="Times New Roman" panose="02020603050405020304" pitchFamily="18" charset="0"/>
+                <a:cs typeface="Times New Roman" panose="02020603050405020304" pitchFamily="18" charset="0"/>
+              </a:rPr>
+              <a:t>Phần</a:t>
+            </a:r>
+            <a:r>
+              <a:rPr lang="en-US" dirty="0">
+                <a:latin typeface="Times New Roman" panose="02020603050405020304" pitchFamily="18" charset="0"/>
+                <a:cs typeface="Times New Roman" panose="02020603050405020304" pitchFamily="18" charset="0"/>
+              </a:rPr>
+              <a:t> </a:t>
+            </a:r>
+            <a:r>
+              <a:rPr lang="en-US" dirty="0" err="1">
+                <a:latin typeface="Times New Roman" panose="02020603050405020304" pitchFamily="18" charset="0"/>
+                <a:cs typeface="Times New Roman" panose="02020603050405020304" pitchFamily="18" charset="0"/>
+              </a:rPr>
+              <a:t>giao</a:t>
+            </a:r>
+            <a:r>
+              <a:rPr lang="en-US" dirty="0">
+                <a:latin typeface="Times New Roman" panose="02020603050405020304" pitchFamily="18" charset="0"/>
+                <a:cs typeface="Times New Roman" panose="02020603050405020304" pitchFamily="18" charset="0"/>
+              </a:rPr>
+              <a:t> </a:t>
+            </a:r>
+            <a:r>
+              <a:rPr lang="en-US" dirty="0" err="1">
+                <a:latin typeface="Times New Roman" panose="02020603050405020304" pitchFamily="18" charset="0"/>
+                <a:cs typeface="Times New Roman" panose="02020603050405020304" pitchFamily="18" charset="0"/>
+              </a:rPr>
+              <a:t>diện</a:t>
+            </a:r>
+            <a:r>
+              <a:rPr lang="en-US" dirty="0">
+                <a:latin typeface="Times New Roman" panose="02020603050405020304" pitchFamily="18" charset="0"/>
+                <a:cs typeface="Times New Roman" panose="02020603050405020304" pitchFamily="18" charset="0"/>
+              </a:rPr>
+              <a:t> </a:t>
+            </a:r>
+            <a:r>
+              <a:rPr lang="en-US" dirty="0" err="1">
+                <a:latin typeface="Times New Roman" panose="02020603050405020304" pitchFamily="18" charset="0"/>
+                <a:cs typeface="Times New Roman" panose="02020603050405020304" pitchFamily="18" charset="0"/>
+              </a:rPr>
+              <a:t>thiết</a:t>
+            </a:r>
+            <a:r>
+              <a:rPr lang="en-US" dirty="0">
+                <a:latin typeface="Times New Roman" panose="02020603050405020304" pitchFamily="18" charset="0"/>
+                <a:cs typeface="Times New Roman" panose="02020603050405020304" pitchFamily="18" charset="0"/>
+              </a:rPr>
+              <a:t> </a:t>
+            </a:r>
+            <a:r>
+              <a:rPr lang="en-US" dirty="0" err="1">
+                <a:latin typeface="Times New Roman" panose="02020603050405020304" pitchFamily="18" charset="0"/>
+                <a:cs typeface="Times New Roman" panose="02020603050405020304" pitchFamily="18" charset="0"/>
+              </a:rPr>
+              <a:t>kế</a:t>
+            </a:r>
+            <a:r>
+              <a:rPr lang="en-US" dirty="0">
+                <a:latin typeface="Times New Roman" panose="02020603050405020304" pitchFamily="18" charset="0"/>
+                <a:cs typeface="Times New Roman" panose="02020603050405020304" pitchFamily="18" charset="0"/>
+              </a:rPr>
+              <a:t> </a:t>
+            </a:r>
+            <a:r>
+              <a:rPr lang="en-US" dirty="0" err="1">
+                <a:latin typeface="Times New Roman" panose="02020603050405020304" pitchFamily="18" charset="0"/>
+                <a:cs typeface="Times New Roman" panose="02020603050405020304" pitchFamily="18" charset="0"/>
+              </a:rPr>
+              <a:t>chưa</a:t>
+            </a:r>
+            <a:r>
+              <a:rPr lang="en-US" dirty="0">
+                <a:latin typeface="Times New Roman" panose="02020603050405020304" pitchFamily="18" charset="0"/>
+                <a:cs typeface="Times New Roman" panose="02020603050405020304" pitchFamily="18" charset="0"/>
+              </a:rPr>
+              <a:t> </a:t>
+            </a:r>
+            <a:r>
+              <a:rPr lang="en-US" dirty="0" err="1">
+                <a:latin typeface="Times New Roman" panose="02020603050405020304" pitchFamily="18" charset="0"/>
+                <a:cs typeface="Times New Roman" panose="02020603050405020304" pitchFamily="18" charset="0"/>
+              </a:rPr>
+              <a:t>được</a:t>
+            </a:r>
+            <a:r>
+              <a:rPr lang="en-US" dirty="0">
+                <a:latin typeface="Times New Roman" panose="02020603050405020304" pitchFamily="18" charset="0"/>
+                <a:cs typeface="Times New Roman" panose="02020603050405020304" pitchFamily="18" charset="0"/>
+              </a:rPr>
+              <a:t> </a:t>
+            </a:r>
+            <a:r>
+              <a:rPr lang="en-US" dirty="0" err="1">
+                <a:latin typeface="Times New Roman" panose="02020603050405020304" pitchFamily="18" charset="0"/>
+                <a:cs typeface="Times New Roman" panose="02020603050405020304" pitchFamily="18" charset="0"/>
+              </a:rPr>
+              <a:t>đẹp</a:t>
+            </a:r>
+            <a:r>
+              <a:rPr lang="en-US" dirty="0">
+                <a:latin typeface="Times New Roman" panose="02020603050405020304" pitchFamily="18" charset="0"/>
+                <a:cs typeface="Times New Roman" panose="02020603050405020304" pitchFamily="18" charset="0"/>
+              </a:rPr>
+              <a:t>.</a:t>
+            </a:r>
+          </a:p>
+          <a:p>
+            <a:r>
+              <a:rPr lang="en-US" dirty="0" err="1">
+                <a:latin typeface="Times New Roman" panose="02020603050405020304" pitchFamily="18" charset="0"/>
+                <a:cs typeface="Times New Roman" panose="02020603050405020304" pitchFamily="18" charset="0"/>
+              </a:rPr>
+              <a:t>Chương</a:t>
+            </a:r>
+            <a:r>
+              <a:rPr lang="en-US" dirty="0">
+                <a:latin typeface="Times New Roman" panose="02020603050405020304" pitchFamily="18" charset="0"/>
+                <a:cs typeface="Times New Roman" panose="02020603050405020304" pitchFamily="18" charset="0"/>
+              </a:rPr>
+              <a:t> </a:t>
+            </a:r>
+            <a:r>
+              <a:rPr lang="en-US" dirty="0" err="1">
+                <a:latin typeface="Times New Roman" panose="02020603050405020304" pitchFamily="18" charset="0"/>
+                <a:cs typeface="Times New Roman" panose="02020603050405020304" pitchFamily="18" charset="0"/>
+              </a:rPr>
+              <a:t>trình</a:t>
+            </a:r>
+            <a:r>
+              <a:rPr lang="en-US" dirty="0">
+                <a:latin typeface="Times New Roman" panose="02020603050405020304" pitchFamily="18" charset="0"/>
+                <a:cs typeface="Times New Roman" panose="02020603050405020304" pitchFamily="18" charset="0"/>
+              </a:rPr>
+              <a:t> </a:t>
+            </a:r>
+            <a:r>
+              <a:rPr lang="en-US" dirty="0" err="1">
+                <a:latin typeface="Times New Roman" panose="02020603050405020304" pitchFamily="18" charset="0"/>
+                <a:cs typeface="Times New Roman" panose="02020603050405020304" pitchFamily="18" charset="0"/>
+              </a:rPr>
+              <a:t>chưa</a:t>
+            </a:r>
+            <a:r>
+              <a:rPr lang="en-US" dirty="0">
+                <a:latin typeface="Times New Roman" panose="02020603050405020304" pitchFamily="18" charset="0"/>
+                <a:cs typeface="Times New Roman" panose="02020603050405020304" pitchFamily="18" charset="0"/>
+              </a:rPr>
+              <a:t> </a:t>
+            </a:r>
+            <a:r>
+              <a:rPr lang="en-US" dirty="0" err="1">
+                <a:latin typeface="Times New Roman" panose="02020603050405020304" pitchFamily="18" charset="0"/>
+                <a:cs typeface="Times New Roman" panose="02020603050405020304" pitchFamily="18" charset="0"/>
+              </a:rPr>
+              <a:t>dịch</a:t>
+            </a:r>
+            <a:r>
+              <a:rPr lang="en-US" dirty="0">
+                <a:latin typeface="Times New Roman" panose="02020603050405020304" pitchFamily="18" charset="0"/>
+                <a:cs typeface="Times New Roman" panose="02020603050405020304" pitchFamily="18" charset="0"/>
+              </a:rPr>
+              <a:t> </a:t>
+            </a:r>
+            <a:r>
+              <a:rPr lang="en-US" dirty="0" err="1">
+                <a:latin typeface="Times New Roman" panose="02020603050405020304" pitchFamily="18" charset="0"/>
+                <a:cs typeface="Times New Roman" panose="02020603050405020304" pitchFamily="18" charset="0"/>
+              </a:rPr>
+              <a:t>được</a:t>
+            </a:r>
+            <a:r>
+              <a:rPr lang="en-US" dirty="0">
+                <a:latin typeface="Times New Roman" panose="02020603050405020304" pitchFamily="18" charset="0"/>
+                <a:cs typeface="Times New Roman" panose="02020603050405020304" pitchFamily="18" charset="0"/>
+              </a:rPr>
+              <a:t> </a:t>
+            </a:r>
+            <a:r>
+              <a:rPr lang="en-US" dirty="0" err="1">
+                <a:latin typeface="Times New Roman" panose="02020603050405020304" pitchFamily="18" charset="0"/>
+                <a:cs typeface="Times New Roman" panose="02020603050405020304" pitchFamily="18" charset="0"/>
+              </a:rPr>
+              <a:t>nghĩa</a:t>
+            </a:r>
+            <a:r>
+              <a:rPr lang="en-US" dirty="0">
+                <a:latin typeface="Times New Roman" panose="02020603050405020304" pitchFamily="18" charset="0"/>
+                <a:cs typeface="Times New Roman" panose="02020603050405020304" pitchFamily="18" charset="0"/>
+              </a:rPr>
+              <a:t> </a:t>
+            </a:r>
+            <a:r>
+              <a:rPr lang="en-US" dirty="0" err="1">
+                <a:latin typeface="Times New Roman" panose="02020603050405020304" pitchFamily="18" charset="0"/>
+                <a:cs typeface="Times New Roman" panose="02020603050405020304" pitchFamily="18" charset="0"/>
+              </a:rPr>
+              <a:t>ngược</a:t>
+            </a:r>
+            <a:r>
+              <a:rPr lang="en-US" dirty="0">
+                <a:latin typeface="Times New Roman" panose="02020603050405020304" pitchFamily="18" charset="0"/>
+                <a:cs typeface="Times New Roman" panose="02020603050405020304" pitchFamily="18" charset="0"/>
+              </a:rPr>
+              <a:t> </a:t>
+            </a:r>
+            <a:r>
+              <a:rPr lang="en-US" dirty="0" err="1">
+                <a:latin typeface="Times New Roman" panose="02020603050405020304" pitchFamily="18" charset="0"/>
+                <a:cs typeface="Times New Roman" panose="02020603050405020304" pitchFamily="18" charset="0"/>
+              </a:rPr>
+              <a:t>lại</a:t>
+            </a:r>
+            <a:r>
+              <a:rPr lang="en-US" dirty="0">
+                <a:latin typeface="Times New Roman" panose="02020603050405020304" pitchFamily="18" charset="0"/>
+                <a:cs typeface="Times New Roman" panose="02020603050405020304" pitchFamily="18" charset="0"/>
+              </a:rPr>
+              <a:t> </a:t>
+            </a:r>
+            <a:r>
+              <a:rPr lang="en-US" dirty="0" err="1">
+                <a:latin typeface="Times New Roman" panose="02020603050405020304" pitchFamily="18" charset="0"/>
+                <a:cs typeface="Times New Roman" panose="02020603050405020304" pitchFamily="18" charset="0"/>
+              </a:rPr>
+              <a:t>tư</a:t>
+            </a:r>
+            <a:r>
+              <a:rPr lang="en-US" dirty="0">
+                <a:latin typeface="Times New Roman" panose="02020603050405020304" pitchFamily="18" charset="0"/>
+                <a:cs typeface="Times New Roman" panose="02020603050405020304" pitchFamily="18" charset="0"/>
+              </a:rPr>
+              <a:t>̀ </a:t>
+            </a:r>
+            <a:r>
+              <a:rPr lang="en-US" dirty="0" err="1">
+                <a:latin typeface="Times New Roman" panose="02020603050405020304" pitchFamily="18" charset="0"/>
+                <a:cs typeface="Times New Roman" panose="02020603050405020304" pitchFamily="18" charset="0"/>
+              </a:rPr>
+              <a:t>tiếng</a:t>
+            </a:r>
+            <a:r>
+              <a:rPr lang="en-US" dirty="0">
+                <a:latin typeface="Times New Roman" panose="02020603050405020304" pitchFamily="18" charset="0"/>
+                <a:cs typeface="Times New Roman" panose="02020603050405020304" pitchFamily="18" charset="0"/>
+              </a:rPr>
+              <a:t> </a:t>
+            </a:r>
+            <a:r>
+              <a:rPr lang="en-US" dirty="0" err="1">
+                <a:latin typeface="Times New Roman" panose="02020603050405020304" pitchFamily="18" charset="0"/>
+                <a:cs typeface="Times New Roman" panose="02020603050405020304" pitchFamily="18" charset="0"/>
+              </a:rPr>
+              <a:t>Việt</a:t>
+            </a:r>
+            <a:r>
+              <a:rPr lang="en-US" dirty="0">
+                <a:latin typeface="Times New Roman" panose="02020603050405020304" pitchFamily="18" charset="0"/>
+                <a:cs typeface="Times New Roman" panose="02020603050405020304" pitchFamily="18" charset="0"/>
+              </a:rPr>
+              <a:t> sang </a:t>
+            </a:r>
+            <a:r>
+              <a:rPr lang="en-US" dirty="0" err="1">
+                <a:latin typeface="Times New Roman" panose="02020603050405020304" pitchFamily="18" charset="0"/>
+                <a:cs typeface="Times New Roman" panose="02020603050405020304" pitchFamily="18" charset="0"/>
+              </a:rPr>
+              <a:t>tiếng</a:t>
+            </a:r>
+            <a:r>
+              <a:rPr lang="en-US" dirty="0">
+                <a:latin typeface="Times New Roman" panose="02020603050405020304" pitchFamily="18" charset="0"/>
+                <a:cs typeface="Times New Roman" panose="02020603050405020304" pitchFamily="18" charset="0"/>
+              </a:rPr>
+              <a:t> </a:t>
+            </a:r>
+            <a:r>
+              <a:rPr lang="en-US" dirty="0" err="1">
+                <a:latin typeface="Times New Roman" panose="02020603050405020304" pitchFamily="18" charset="0"/>
+                <a:cs typeface="Times New Roman" panose="02020603050405020304" pitchFamily="18" charset="0"/>
+              </a:rPr>
+              <a:t>Anh</a:t>
+            </a:r>
+            <a:r>
+              <a:rPr lang="en-US" dirty="0"/>
+              <a:t>.</a:t>
+            </a:r>
+          </a:p>
+          <a:p>
+            <a:pPr lvl="0"/>
+            <a:endParaRPr lang="en-US" dirty="0" smtClean="0"/>
+          </a:p>
+        </p:txBody>
+      </p:sp>
+    </p:spTree>
+    <p:extLst>
+      <p:ext uri="{BB962C8B-B14F-4D97-AF65-F5344CB8AC3E}">
+        <p14:creationId xmlns:p14="http://schemas.microsoft.com/office/powerpoint/2010/main" val="1098861761"/>
+      </p:ext>
+    </p:extLst>
+  </p:cSld>
+  <p:clrMapOvr>
+    <a:masterClrMapping/>
+  </p:clrMapOvr>
+  <p:timing>
+    <p:tnLst>
+      <p:par>
+        <p:cTn id="1" dur="indefinite" restart="never" nodeType="tmRoot"/>
+      </p:par>
+    </p:tnLst>
+  </p:timing>
+</p:sld>
+</file>
+
+<file path=ppt/slides/slide14.xml><?xml version="1.0" encoding="utf-8"?>
+<p:sld xmlns:a="http://schemas.openxmlformats.org/drawingml/2006/main" xmlns:r="http://schemas.openxmlformats.org/officeDocument/2006/relationships" xmlns:p="http://schemas.openxmlformats.org/presentationml/2006/main">
+  <p:cSld>
+    <p:spTree>
+      <p:nvGrpSpPr>
+        <p:cNvPr id="1" name=""/>
+        <p:cNvGrpSpPr/>
+        <p:nvPr/>
+      </p:nvGrpSpPr>
+      <p:grpSpPr>
+        <a:xfrm>
+          <a:off x="0" y="0"/>
+          <a:ext cx="0" cy="0"/>
+          <a:chOff x="0" y="0"/>
+          <a:chExt cx="0" cy="0"/>
+        </a:xfrm>
+      </p:grpSpPr>
+      <p:sp>
+        <p:nvSpPr>
           <p:cNvPr id="2" name="TextBox 1">
             <a:extLst>
               <a:ext uri="{FF2B5EF4-FFF2-40B4-BE49-F238E27FC236}">
-                <a16:creationId xmlns:a16="http://schemas.microsoft.com/office/drawing/2014/main" xmlns="" id="{30918B8E-4044-404B-8A13-5F0D5413A93D}"/>
+                <a16:creationId xmlns="" xmlns:a16="http://schemas.microsoft.com/office/drawing/2014/main" id="{30918B8E-4044-404B-8A13-5F0D5413A93D}"/>
               </a:ext>
             </a:extLst>
           </p:cNvPr>
@@ -7664,7 +8441,7 @@
           <p:cNvPr id="3" name="Star: 5 Points 2">
             <a:extLst>
               <a:ext uri="{FF2B5EF4-FFF2-40B4-BE49-F238E27FC236}">
-                <a16:creationId xmlns:a16="http://schemas.microsoft.com/office/drawing/2014/main" xmlns="" id="{0A53373E-EA6C-46A3-8F09-912574CF38E3}"/>
+                <a16:creationId xmlns="" xmlns:a16="http://schemas.microsoft.com/office/drawing/2014/main" id="{0A53373E-EA6C-46A3-8F09-912574CF38E3}"/>
               </a:ext>
             </a:extLst>
           </p:cNvPr>
@@ -7710,7 +8487,7 @@
           <p:cNvPr id="5" name="Star: 5 Points 4">
             <a:extLst>
               <a:ext uri="{FF2B5EF4-FFF2-40B4-BE49-F238E27FC236}">
-                <a16:creationId xmlns:a16="http://schemas.microsoft.com/office/drawing/2014/main" xmlns="" id="{5EAE6814-4EB8-4876-ABA2-E831EDE2FD61}"/>
+                <a16:creationId xmlns="" xmlns:a16="http://schemas.microsoft.com/office/drawing/2014/main" id="{5EAE6814-4EB8-4876-ABA2-E831EDE2FD61}"/>
               </a:ext>
             </a:extLst>
           </p:cNvPr>
@@ -7756,7 +8533,7 @@
           <p:cNvPr id="6" name="Star: 5 Points 5">
             <a:extLst>
               <a:ext uri="{FF2B5EF4-FFF2-40B4-BE49-F238E27FC236}">
-                <a16:creationId xmlns:a16="http://schemas.microsoft.com/office/drawing/2014/main" xmlns="" id="{09DFDD20-AE3F-497C-8164-C0F35B259352}"/>
+                <a16:creationId xmlns="" xmlns:a16="http://schemas.microsoft.com/office/drawing/2014/main" id="{09DFDD20-AE3F-497C-8164-C0F35B259352}"/>
               </a:ext>
             </a:extLst>
           </p:cNvPr>
@@ -7802,7 +8579,7 @@
           <p:cNvPr id="7" name="Star: 5 Points 6">
             <a:extLst>
               <a:ext uri="{FF2B5EF4-FFF2-40B4-BE49-F238E27FC236}">
-                <a16:creationId xmlns:a16="http://schemas.microsoft.com/office/drawing/2014/main" xmlns="" id="{3666BDC4-BA7F-45CB-AE64-06F5818F0941}"/>
+                <a16:creationId xmlns="" xmlns:a16="http://schemas.microsoft.com/office/drawing/2014/main" id="{3666BDC4-BA7F-45CB-AE64-06F5818F0941}"/>
               </a:ext>
             </a:extLst>
           </p:cNvPr>
@@ -7848,7 +8625,7 @@
           <p:cNvPr id="8" name="Star: 5 Points 7">
             <a:extLst>
               <a:ext uri="{FF2B5EF4-FFF2-40B4-BE49-F238E27FC236}">
-                <a16:creationId xmlns:a16="http://schemas.microsoft.com/office/drawing/2014/main" xmlns="" id="{BF53C8DB-7D55-4CF7-817F-B5FA229F7F64}"/>
+                <a16:creationId xmlns="" xmlns:a16="http://schemas.microsoft.com/office/drawing/2014/main" id="{BF53C8DB-7D55-4CF7-817F-B5FA229F7F64}"/>
               </a:ext>
             </a:extLst>
           </p:cNvPr>
@@ -7894,7 +8671,7 @@
           <p:cNvPr id="9" name="Star: 5 Points 8">
             <a:extLst>
               <a:ext uri="{FF2B5EF4-FFF2-40B4-BE49-F238E27FC236}">
-                <a16:creationId xmlns:a16="http://schemas.microsoft.com/office/drawing/2014/main" xmlns="" id="{DEB492F2-DBA5-4022-82F5-AA9290E54BD6}"/>
+                <a16:creationId xmlns="" xmlns:a16="http://schemas.microsoft.com/office/drawing/2014/main" id="{DEB492F2-DBA5-4022-82F5-AA9290E54BD6}"/>
               </a:ext>
             </a:extLst>
           </p:cNvPr>
@@ -7940,7 +8717,7 @@
           <p:cNvPr id="10" name="Star: 5 Points 9">
             <a:extLst>
               <a:ext uri="{FF2B5EF4-FFF2-40B4-BE49-F238E27FC236}">
-                <a16:creationId xmlns:a16="http://schemas.microsoft.com/office/drawing/2014/main" xmlns="" id="{2D48A51A-2C29-44F3-8AE5-1CA4B4BF5679}"/>
+                <a16:creationId xmlns="" xmlns:a16="http://schemas.microsoft.com/office/drawing/2014/main" id="{2D48A51A-2C29-44F3-8AE5-1CA4B4BF5679}"/>
               </a:ext>
             </a:extLst>
           </p:cNvPr>
@@ -7986,7 +8763,7 @@
           <p:cNvPr id="11" name="Star: 5 Points 10">
             <a:extLst>
               <a:ext uri="{FF2B5EF4-FFF2-40B4-BE49-F238E27FC236}">
-                <a16:creationId xmlns:a16="http://schemas.microsoft.com/office/drawing/2014/main" xmlns="" id="{79DFB6E8-3CE7-4C84-B57A-9B63E79D88CC}"/>
+                <a16:creationId xmlns="" xmlns:a16="http://schemas.microsoft.com/office/drawing/2014/main" id="{79DFB6E8-3CE7-4C84-B57A-9B63E79D88CC}"/>
               </a:ext>
             </a:extLst>
           </p:cNvPr>
@@ -8032,7 +8809,7 @@
           <p:cNvPr id="12" name="Star: 5 Points 11">
             <a:extLst>
               <a:ext uri="{FF2B5EF4-FFF2-40B4-BE49-F238E27FC236}">
-                <a16:creationId xmlns:a16="http://schemas.microsoft.com/office/drawing/2014/main" xmlns="" id="{04979FFD-FC9A-45C8-B4D2-E9B1E2457ADE}"/>
+                <a16:creationId xmlns="" xmlns:a16="http://schemas.microsoft.com/office/drawing/2014/main" id="{04979FFD-FC9A-45C8-B4D2-E9B1E2457ADE}"/>
               </a:ext>
             </a:extLst>
           </p:cNvPr>
@@ -8115,7 +8892,7 @@
           <p:cNvPr id="2" name="Title 1">
             <a:extLst>
               <a:ext uri="{FF2B5EF4-FFF2-40B4-BE49-F238E27FC236}">
-                <a16:creationId xmlns:a16="http://schemas.microsoft.com/office/drawing/2014/main" xmlns="" id="{0DDEE6E7-207B-4C0D-A204-B89B711E9E44}"/>
+                <a16:creationId xmlns="" xmlns:a16="http://schemas.microsoft.com/office/drawing/2014/main" id="{0DDEE6E7-207B-4C0D-A204-B89B711E9E44}"/>
               </a:ext>
             </a:extLst>
           </p:cNvPr>
@@ -8161,7 +8938,7 @@
           <p:cNvPr id="3" name="Content Placeholder 2">
             <a:extLst>
               <a:ext uri="{FF2B5EF4-FFF2-40B4-BE49-F238E27FC236}">
-                <a16:creationId xmlns:a16="http://schemas.microsoft.com/office/drawing/2014/main" xmlns="" id="{D71BDD1B-404E-479C-9695-BC37B713B75A}"/>
+                <a16:creationId xmlns="" xmlns:a16="http://schemas.microsoft.com/office/drawing/2014/main" id="{D71BDD1B-404E-479C-9695-BC37B713B75A}"/>
               </a:ext>
             </a:extLst>
           </p:cNvPr>
@@ -8366,7 +9143,7 @@
           <p:cNvPr id="7" name="Title 1">
             <a:extLst>
               <a:ext uri="{FF2B5EF4-FFF2-40B4-BE49-F238E27FC236}">
-                <a16:creationId xmlns:a16="http://schemas.microsoft.com/office/drawing/2014/main" xmlns="" id="{CE9C2477-C654-4F5F-ABED-36286B133A12}"/>
+                <a16:creationId xmlns="" xmlns:a16="http://schemas.microsoft.com/office/drawing/2014/main" id="{CE9C2477-C654-4F5F-ABED-36286B133A12}"/>
               </a:ext>
             </a:extLst>
           </p:cNvPr>
@@ -8492,7 +9269,7 @@
           <p:cNvPr id="8" name="Content Placeholder 2">
             <a:extLst>
               <a:ext uri="{FF2B5EF4-FFF2-40B4-BE49-F238E27FC236}">
-                <a16:creationId xmlns:a16="http://schemas.microsoft.com/office/drawing/2014/main" xmlns="" id="{0BD27B7A-FD1D-4CCD-9164-F6CDD9994E81}"/>
+                <a16:creationId xmlns="" xmlns:a16="http://schemas.microsoft.com/office/drawing/2014/main" id="{0BD27B7A-FD1D-4CCD-9164-F6CDD9994E81}"/>
               </a:ext>
             </a:extLst>
           </p:cNvPr>
@@ -8767,7 +9544,7 @@
           <p:cNvPr id="12" name="Rectangle 11">
             <a:extLst>
               <a:ext uri="{FF2B5EF4-FFF2-40B4-BE49-F238E27FC236}">
-                <a16:creationId xmlns:a16="http://schemas.microsoft.com/office/drawing/2014/main" xmlns="" id="{EFD492B5-6FCA-4E9B-B9C1-5F8EE1A76FD9}"/>
+                <a16:creationId xmlns="" xmlns:a16="http://schemas.microsoft.com/office/drawing/2014/main" id="{EFD492B5-6FCA-4E9B-B9C1-5F8EE1A76FD9}"/>
               </a:ext>
             </a:extLst>
           </p:cNvPr>
@@ -8915,7 +9692,7 @@
           <p:cNvPr id="5" name="Title 1">
             <a:extLst>
               <a:ext uri="{FF2B5EF4-FFF2-40B4-BE49-F238E27FC236}">
-                <a16:creationId xmlns:a16="http://schemas.microsoft.com/office/drawing/2014/main" xmlns="" id="{62B93FF9-D380-412F-B330-36AAFD76065F}"/>
+                <a16:creationId xmlns="" xmlns:a16="http://schemas.microsoft.com/office/drawing/2014/main" id="{62B93FF9-D380-412F-B330-36AAFD76065F}"/>
               </a:ext>
             </a:extLst>
           </p:cNvPr>
@@ -8967,7 +9744,7 @@
           <p:cNvPr id="6" name="Content Placeholder 2">
             <a:extLst>
               <a:ext uri="{FF2B5EF4-FFF2-40B4-BE49-F238E27FC236}">
-                <a16:creationId xmlns:a16="http://schemas.microsoft.com/office/drawing/2014/main" xmlns="" id="{93E128BA-EBD1-454F-B6EF-5EA925A74AD3}"/>
+                <a16:creationId xmlns="" xmlns:a16="http://schemas.microsoft.com/office/drawing/2014/main" id="{93E128BA-EBD1-454F-B6EF-5EA925A74AD3}"/>
               </a:ext>
             </a:extLst>
           </p:cNvPr>
@@ -9076,7 +9853,7 @@
           <p:cNvPr id="5" name="Title 1">
             <a:extLst>
               <a:ext uri="{FF2B5EF4-FFF2-40B4-BE49-F238E27FC236}">
-                <a16:creationId xmlns:a16="http://schemas.microsoft.com/office/drawing/2014/main" xmlns="" id="{00DFB08F-4BB8-4011-BB74-A2C085093BC0}"/>
+                <a16:creationId xmlns="" xmlns:a16="http://schemas.microsoft.com/office/drawing/2014/main" id="{00DFB08F-4BB8-4011-BB74-A2C085093BC0}"/>
               </a:ext>
             </a:extLst>
           </p:cNvPr>
@@ -9115,7 +9892,7 @@
           <p:cNvPr id="6" name="Content Placeholder 2">
             <a:extLst>
               <a:ext uri="{FF2B5EF4-FFF2-40B4-BE49-F238E27FC236}">
-                <a16:creationId xmlns:a16="http://schemas.microsoft.com/office/drawing/2014/main" xmlns="" id="{BC21CED7-E768-4BF1-9C2D-460BB041257B}"/>
+                <a16:creationId xmlns="" xmlns:a16="http://schemas.microsoft.com/office/drawing/2014/main" id="{BC21CED7-E768-4BF1-9C2D-460BB041257B}"/>
               </a:ext>
             </a:extLst>
           </p:cNvPr>
@@ -9228,7 +10005,7 @@
           <p:cNvPr id="2" name="Title 1">
             <a:extLst>
               <a:ext uri="{FF2B5EF4-FFF2-40B4-BE49-F238E27FC236}">
-                <a16:creationId xmlns:a16="http://schemas.microsoft.com/office/drawing/2014/main" xmlns="" id="{908E2DC3-2EDE-4433-8745-14E14AB12CF5}"/>
+                <a16:creationId xmlns="" xmlns:a16="http://schemas.microsoft.com/office/drawing/2014/main" id="{908E2DC3-2EDE-4433-8745-14E14AB12CF5}"/>
               </a:ext>
             </a:extLst>
           </p:cNvPr>
@@ -9268,7 +10045,7 @@
           <p:cNvPr id="3" name="Content Placeholder 2">
             <a:extLst>
               <a:ext uri="{FF2B5EF4-FFF2-40B4-BE49-F238E27FC236}">
-                <a16:creationId xmlns:a16="http://schemas.microsoft.com/office/drawing/2014/main" xmlns="" id="{45644D5E-305E-4020-8CB3-823A39380B25}"/>
+                <a16:creationId xmlns="" xmlns:a16="http://schemas.microsoft.com/office/drawing/2014/main" id="{45644D5E-305E-4020-8CB3-823A39380B25}"/>
               </a:ext>
             </a:extLst>
           </p:cNvPr>
@@ -9493,6 +10270,189 @@
       </p:sp>
       <p:pic>
         <p:nvPicPr>
+          <p:cNvPr id="8" name="Ảnh 7"/>
+          <p:cNvPicPr>
+            <a:picLocks noChangeAspect="1"/>
+          </p:cNvPicPr>
+          <p:nvPr/>
+        </p:nvPicPr>
+        <p:blipFill>
+          <a:blip r:embed="rId2"/>
+          <a:stretch>
+            <a:fillRect/>
+          </a:stretch>
+        </p:blipFill>
+        <p:spPr>
+          <a:xfrm>
+            <a:off x="1295402" y="2139350"/>
+            <a:ext cx="9601196" cy="3830130"/>
+          </a:xfrm>
+          <a:prstGeom prst="rect">
+            <a:avLst/>
+          </a:prstGeom>
+        </p:spPr>
+      </p:pic>
+    </p:spTree>
+    <p:extLst>
+      <p:ext uri="{BB962C8B-B14F-4D97-AF65-F5344CB8AC3E}">
+        <p14:creationId xmlns:p14="http://schemas.microsoft.com/office/powerpoint/2010/main" val="2612436139"/>
+      </p:ext>
+    </p:extLst>
+  </p:cSld>
+  <p:clrMapOvr>
+    <a:masterClrMapping/>
+  </p:clrMapOvr>
+  <p:timing>
+    <p:tnLst>
+      <p:par>
+        <p:cTn id="1" dur="indefinite" restart="never" nodeType="tmRoot"/>
+      </p:par>
+    </p:tnLst>
+  </p:timing>
+</p:sld>
+</file>
+
+<file path=ppt/slides/slide9.xml><?xml version="1.0" encoding="utf-8"?>
+<p:sld xmlns:a="http://schemas.openxmlformats.org/drawingml/2006/main" xmlns:r="http://schemas.openxmlformats.org/officeDocument/2006/relationships" xmlns:p="http://schemas.openxmlformats.org/presentationml/2006/main">
+  <p:cSld>
+    <p:spTree>
+      <p:nvGrpSpPr>
+        <p:cNvPr id="1" name=""/>
+        <p:cNvGrpSpPr/>
+        <p:nvPr/>
+      </p:nvGrpSpPr>
+      <p:grpSpPr>
+        <a:xfrm>
+          <a:off x="0" y="0"/>
+          <a:ext cx="0" cy="0"/>
+          <a:chOff x="0" y="0"/>
+          <a:chExt cx="0" cy="0"/>
+        </a:xfrm>
+      </p:grpSpPr>
+      <p:sp>
+        <p:nvSpPr>
+          <p:cNvPr id="2" name="Title 1"/>
+          <p:cNvSpPr>
+            <a:spLocks noGrp="1"/>
+          </p:cNvSpPr>
+          <p:nvPr>
+            <p:ph type="title"/>
+          </p:nvPr>
+        </p:nvSpPr>
+        <p:spPr/>
+        <p:txBody>
+          <a:bodyPr>
+            <a:normAutofit/>
+          </a:bodyPr>
+          <a:lstStyle/>
+          <a:p>
+            <a:r>
+              <a:rPr lang="en-US" sz="4000" b="1" dirty="0" err="1" smtClean="0">
+                <a:latin typeface="Times New Roman" panose="02020603050405020304" pitchFamily="18" charset="0"/>
+                <a:cs typeface="Times New Roman" panose="02020603050405020304" pitchFamily="18" charset="0"/>
+              </a:rPr>
+              <a:t>Hàm</a:t>
+            </a:r>
+            <a:r>
+              <a:rPr lang="en-US" sz="4000" b="1" dirty="0" smtClean="0">
+                <a:latin typeface="Times New Roman" panose="02020603050405020304" pitchFamily="18" charset="0"/>
+                <a:cs typeface="Times New Roman" panose="02020603050405020304" pitchFamily="18" charset="0"/>
+              </a:rPr>
+              <a:t> </a:t>
+            </a:r>
+            <a:r>
+              <a:rPr lang="en-US" sz="4000" b="1" dirty="0" err="1">
+                <a:latin typeface="Times New Roman" panose="02020603050405020304" pitchFamily="18" charset="0"/>
+                <a:cs typeface="Times New Roman" panose="02020603050405020304" pitchFamily="18" charset="0"/>
+              </a:rPr>
+              <a:t>b</a:t>
+            </a:r>
+            <a:r>
+              <a:rPr lang="en-US" sz="4000" b="1" dirty="0" err="1" smtClean="0">
+                <a:latin typeface="Times New Roman" panose="02020603050405020304" pitchFamily="18" charset="0"/>
+                <a:cs typeface="Times New Roman" panose="02020603050405020304" pitchFamily="18" charset="0"/>
+              </a:rPr>
+              <a:t>ăm</a:t>
+            </a:r>
+            <a:r>
+              <a:rPr lang="en-US" sz="4000" b="1" dirty="0" smtClean="0">
+                <a:latin typeface="Times New Roman" panose="02020603050405020304" pitchFamily="18" charset="0"/>
+                <a:cs typeface="Times New Roman" panose="02020603050405020304" pitchFamily="18" charset="0"/>
+              </a:rPr>
+              <a:t> </a:t>
+            </a:r>
+            <a:r>
+              <a:rPr lang="en-US" sz="4000" b="1" dirty="0" err="1" smtClean="0">
+                <a:latin typeface="Times New Roman" panose="02020603050405020304" pitchFamily="18" charset="0"/>
+                <a:cs typeface="Times New Roman" panose="02020603050405020304" pitchFamily="18" charset="0"/>
+              </a:rPr>
+              <a:t>sư</a:t>
+            </a:r>
+            <a:r>
+              <a:rPr lang="en-US" sz="4000" b="1" dirty="0" smtClean="0">
+                <a:latin typeface="Times New Roman" panose="02020603050405020304" pitchFamily="18" charset="0"/>
+                <a:cs typeface="Times New Roman" panose="02020603050405020304" pitchFamily="18" charset="0"/>
+              </a:rPr>
+              <a:t>̉ </a:t>
+            </a:r>
+            <a:r>
+              <a:rPr lang="en-US" sz="4000" b="1" dirty="0" err="1" smtClean="0">
+                <a:latin typeface="Times New Roman" panose="02020603050405020304" pitchFamily="18" charset="0"/>
+                <a:cs typeface="Times New Roman" panose="02020603050405020304" pitchFamily="18" charset="0"/>
+              </a:rPr>
+              <a:t>dụng</a:t>
+            </a:r>
+            <a:r>
+              <a:rPr lang="en-US" sz="4000" b="1" dirty="0" smtClean="0">
+                <a:latin typeface="Times New Roman" panose="02020603050405020304" pitchFamily="18" charset="0"/>
+                <a:cs typeface="Times New Roman" panose="02020603050405020304" pitchFamily="18" charset="0"/>
+              </a:rPr>
+              <a:t> </a:t>
+            </a:r>
+            <a:r>
+              <a:rPr lang="en-US" sz="4000" b="1" dirty="0" err="1" smtClean="0">
+                <a:latin typeface="Times New Roman" panose="02020603050405020304" pitchFamily="18" charset="0"/>
+                <a:cs typeface="Times New Roman" panose="02020603050405020304" pitchFamily="18" charset="0"/>
+              </a:rPr>
+              <a:t>trong</a:t>
+            </a:r>
+            <a:r>
+              <a:rPr lang="en-US" sz="4000" b="1" dirty="0" smtClean="0">
+                <a:latin typeface="Times New Roman" panose="02020603050405020304" pitchFamily="18" charset="0"/>
+                <a:cs typeface="Times New Roman" panose="02020603050405020304" pitchFamily="18" charset="0"/>
+              </a:rPr>
+              <a:t> </a:t>
+            </a:r>
+            <a:r>
+              <a:rPr lang="en-US" sz="4000" b="1" dirty="0" err="1" smtClean="0">
+                <a:latin typeface="Times New Roman" panose="02020603050405020304" pitchFamily="18" charset="0"/>
+                <a:cs typeface="Times New Roman" panose="02020603050405020304" pitchFamily="18" charset="0"/>
+              </a:rPr>
+              <a:t>chương</a:t>
+            </a:r>
+            <a:r>
+              <a:rPr lang="en-US" sz="4000" b="1" dirty="0" smtClean="0">
+                <a:latin typeface="Times New Roman" panose="02020603050405020304" pitchFamily="18" charset="0"/>
+                <a:cs typeface="Times New Roman" panose="02020603050405020304" pitchFamily="18" charset="0"/>
+              </a:rPr>
+              <a:t> </a:t>
+            </a:r>
+            <a:r>
+              <a:rPr lang="en-US" sz="4000" b="1" dirty="0" err="1" smtClean="0">
+                <a:latin typeface="Times New Roman" panose="02020603050405020304" pitchFamily="18" charset="0"/>
+                <a:cs typeface="Times New Roman" panose="02020603050405020304" pitchFamily="18" charset="0"/>
+              </a:rPr>
+              <a:t>trình</a:t>
+            </a:r>
+            <a:endParaRPr lang="en-US" sz="4000" b="1" dirty="0">
+              <a:latin typeface="Times New Roman" panose="02020603050405020304" pitchFamily="18" charset="0"/>
+              <a:cs typeface="Times New Roman" panose="02020603050405020304" pitchFamily="18" charset="0"/>
+            </a:endParaRPr>
+          </a:p>
+        </p:txBody>
+      </p:sp>
+      <p:pic>
+        <p:nvPicPr>
           <p:cNvPr id="4" name="Ảnh 3"/>
           <p:cNvPicPr>
             <a:picLocks noChangeAspect="1"/>
@@ -9531,7 +10491,7 @@
         </p:blipFill>
         <p:spPr>
           <a:xfrm>
-            <a:off x="4786851" y="2455201"/>
+            <a:off x="4735092" y="2366107"/>
             <a:ext cx="6448425" cy="1085850"/>
           </a:xfrm>
           <a:prstGeom prst="rect">
@@ -9567,92 +10527,6 @@
     <p:extLst>
       <p:ext uri="{BB962C8B-B14F-4D97-AF65-F5344CB8AC3E}">
         <p14:creationId xmlns:p14="http://schemas.microsoft.com/office/powerpoint/2010/main" val="3834417362"/>
-      </p:ext>
-    </p:extLst>
-  </p:cSld>
-  <p:clrMapOvr>
-    <a:masterClrMapping/>
-  </p:clrMapOvr>
-</p:sld>
-</file>
-
-<file path=ppt/slides/slide9.xml><?xml version="1.0" encoding="utf-8"?>
-<p:sld xmlns:a="http://schemas.openxmlformats.org/drawingml/2006/main" xmlns:r="http://schemas.openxmlformats.org/officeDocument/2006/relationships" xmlns:p="http://schemas.openxmlformats.org/presentationml/2006/main">
-  <p:cSld>
-    <p:spTree>
-      <p:nvGrpSpPr>
-        <p:cNvPr id="1" name=""/>
-        <p:cNvGrpSpPr/>
-        <p:nvPr/>
-      </p:nvGrpSpPr>
-      <p:grpSpPr>
-        <a:xfrm>
-          <a:off x="0" y="0"/>
-          <a:ext cx="0" cy="0"/>
-          <a:chOff x="0" y="0"/>
-          <a:chExt cx="0" cy="0"/>
-        </a:xfrm>
-      </p:grpSpPr>
-      <p:sp>
-        <p:nvSpPr>
-          <p:cNvPr id="2" name="Title 1">
-            <a:extLst>
-              <a:ext uri="{FF2B5EF4-FFF2-40B4-BE49-F238E27FC236}">
-                <a16:creationId xmlns:a16="http://schemas.microsoft.com/office/drawing/2014/main" xmlns="" id="{F0D9EC53-2072-4765-A6C0-95CBCF24C2B7}"/>
-              </a:ext>
-            </a:extLst>
-          </p:cNvPr>
-          <p:cNvSpPr>
-            <a:spLocks noGrp="1"/>
-          </p:cNvSpPr>
-          <p:nvPr>
-            <p:ph type="title"/>
-          </p:nvPr>
-        </p:nvSpPr>
-        <p:spPr/>
-        <p:txBody>
-          <a:bodyPr/>
-          <a:lstStyle/>
-          <a:p>
-            <a:r>
-              <a:rPr lang="en-US" b="1" dirty="0">
-                <a:latin typeface="Times New Roman" panose="02020603050405020304" pitchFamily="18" charset="0"/>
-                <a:cs typeface="Times New Roman" panose="02020603050405020304" pitchFamily="18" charset="0"/>
-              </a:rPr>
-              <a:t>DEMO</a:t>
-            </a:r>
-          </a:p>
-        </p:txBody>
-      </p:sp>
-      <p:sp>
-        <p:nvSpPr>
-          <p:cNvPr id="3" name="Content Placeholder 2">
-            <a:extLst>
-              <a:ext uri="{FF2B5EF4-FFF2-40B4-BE49-F238E27FC236}">
-                <a16:creationId xmlns:a16="http://schemas.microsoft.com/office/drawing/2014/main" xmlns="" id="{7C389391-7EDF-4B8B-ABBE-1282F4CCE4AF}"/>
-              </a:ext>
-            </a:extLst>
-          </p:cNvPr>
-          <p:cNvSpPr>
-            <a:spLocks noGrp="1"/>
-          </p:cNvSpPr>
-          <p:nvPr>
-            <p:ph idx="1"/>
-          </p:nvPr>
-        </p:nvSpPr>
-        <p:spPr/>
-        <p:txBody>
-          <a:bodyPr/>
-          <a:lstStyle/>
-          <a:p>
-            <a:endParaRPr lang="en-US" dirty="0"/>
-          </a:p>
-        </p:txBody>
-      </p:sp>
-    </p:spTree>
-    <p:extLst>
-      <p:ext uri="{BB962C8B-B14F-4D97-AF65-F5344CB8AC3E}">
-        <p14:creationId xmlns:p14="http://schemas.microsoft.com/office/powerpoint/2010/main" val="37496574"/>
       </p:ext>
     </p:extLst>
   </p:cSld>
